--- a/ssi19shortP.pptx
+++ b/ssi19shortP.pptx
@@ -254,7 +254,7 @@
           <a:p>
             <a:fld id="{359F4C49-761D-CD4D-B697-D7C8C818216D}" type="datetimeFigureOut">
               <a:rPr kumimoji="1" lang="ja-JP" altLang="en-US" smtClean="0"/>
-              <a:t>2019/10/31</a:t>
+              <a:t>2019/11/1</a:t>
             </a:fld>
             <a:endParaRPr kumimoji="1" lang="ja-JP" altLang="en-US"/>
           </a:p>
@@ -432,7 +432,7 @@
           <a:p>
             <a:fld id="{359F4C49-761D-CD4D-B697-D7C8C818216D}" type="datetimeFigureOut">
               <a:rPr kumimoji="1" lang="ja-JP" altLang="en-US" smtClean="0"/>
-              <a:t>2019/10/31</a:t>
+              <a:t>2019/11/1</a:t>
             </a:fld>
             <a:endParaRPr kumimoji="1" lang="ja-JP" altLang="en-US"/>
           </a:p>
@@ -620,7 +620,7 @@
           <a:p>
             <a:fld id="{359F4C49-761D-CD4D-B697-D7C8C818216D}" type="datetimeFigureOut">
               <a:rPr kumimoji="1" lang="ja-JP" altLang="en-US" smtClean="0"/>
-              <a:t>2019/10/31</a:t>
+              <a:t>2019/11/1</a:t>
             </a:fld>
             <a:endParaRPr kumimoji="1" lang="ja-JP" altLang="en-US"/>
           </a:p>
@@ -798,7 +798,7 @@
           <a:p>
             <a:fld id="{359F4C49-761D-CD4D-B697-D7C8C818216D}" type="datetimeFigureOut">
               <a:rPr kumimoji="1" lang="ja-JP" altLang="en-US" smtClean="0"/>
-              <a:t>2019/10/31</a:t>
+              <a:t>2019/11/1</a:t>
             </a:fld>
             <a:endParaRPr kumimoji="1" lang="ja-JP" altLang="en-US"/>
           </a:p>
@@ -1079,7 +1079,7 @@
           <a:p>
             <a:fld id="{359F4C49-761D-CD4D-B697-D7C8C818216D}" type="datetimeFigureOut">
               <a:rPr kumimoji="1" lang="ja-JP" altLang="en-US" smtClean="0"/>
-              <a:t>2019/10/31</a:t>
+              <a:t>2019/11/1</a:t>
             </a:fld>
             <a:endParaRPr kumimoji="1" lang="ja-JP" altLang="en-US"/>
           </a:p>
@@ -1327,7 +1327,7 @@
           <a:p>
             <a:fld id="{359F4C49-761D-CD4D-B697-D7C8C818216D}" type="datetimeFigureOut">
               <a:rPr kumimoji="1" lang="ja-JP" altLang="en-US" smtClean="0"/>
-              <a:t>2019/10/31</a:t>
+              <a:t>2019/11/1</a:t>
             </a:fld>
             <a:endParaRPr kumimoji="1" lang="ja-JP" altLang="en-US"/>
           </a:p>
@@ -1784,7 +1784,7 @@
           <a:p>
             <a:fld id="{359F4C49-761D-CD4D-B697-D7C8C818216D}" type="datetimeFigureOut">
               <a:rPr kumimoji="1" lang="ja-JP" altLang="en-US" smtClean="0"/>
-              <a:t>2019/10/31</a:t>
+              <a:t>2019/11/1</a:t>
             </a:fld>
             <a:endParaRPr kumimoji="1" lang="ja-JP" altLang="en-US"/>
           </a:p>
@@ -1902,7 +1902,7 @@
           <a:p>
             <a:fld id="{359F4C49-761D-CD4D-B697-D7C8C818216D}" type="datetimeFigureOut">
               <a:rPr kumimoji="1" lang="ja-JP" altLang="en-US" smtClean="0"/>
-              <a:t>2019/10/31</a:t>
+              <a:t>2019/11/1</a:t>
             </a:fld>
             <a:endParaRPr kumimoji="1" lang="ja-JP" altLang="en-US"/>
           </a:p>
@@ -1997,7 +1997,7 @@
           <a:p>
             <a:fld id="{359F4C49-761D-CD4D-B697-D7C8C818216D}" type="datetimeFigureOut">
               <a:rPr kumimoji="1" lang="ja-JP" altLang="en-US" smtClean="0"/>
-              <a:t>2019/10/31</a:t>
+              <a:t>2019/11/1</a:t>
             </a:fld>
             <a:endParaRPr kumimoji="1" lang="ja-JP" altLang="en-US"/>
           </a:p>
@@ -2319,7 +2319,7 @@
           <a:p>
             <a:fld id="{359F4C49-761D-CD4D-B697-D7C8C818216D}" type="datetimeFigureOut">
               <a:rPr kumimoji="1" lang="ja-JP" altLang="en-US" smtClean="0"/>
-              <a:t>2019/10/31</a:t>
+              <a:t>2019/11/1</a:t>
             </a:fld>
             <a:endParaRPr kumimoji="1" lang="ja-JP" altLang="en-US"/>
           </a:p>
@@ -2613,7 +2613,7 @@
           <a:p>
             <a:fld id="{359F4C49-761D-CD4D-B697-D7C8C818216D}" type="datetimeFigureOut">
               <a:rPr kumimoji="1" lang="ja-JP" altLang="en-US" smtClean="0"/>
-              <a:t>2019/10/31</a:t>
+              <a:t>2019/11/1</a:t>
             </a:fld>
             <a:endParaRPr kumimoji="1" lang="ja-JP" altLang="en-US"/>
           </a:p>
@@ -2834,7 +2834,7 @@
           <a:p>
             <a:fld id="{359F4C49-761D-CD4D-B697-D7C8C818216D}" type="datetimeFigureOut">
               <a:rPr kumimoji="1" lang="ja-JP" altLang="en-US" smtClean="0"/>
-              <a:t>2019/10/31</a:t>
+              <a:t>2019/11/1</a:t>
             </a:fld>
             <a:endParaRPr kumimoji="1" lang="ja-JP" altLang="en-US"/>
           </a:p>
@@ -3329,7 +3329,7 @@
         </p:blipFill>
         <p:spPr>
           <a:xfrm>
-            <a:off x="0" y="1363327"/>
+            <a:off x="2669309" y="1982163"/>
             <a:ext cx="4396509" cy="600818"/>
           </a:xfrm>
           <a:prstGeom prst="rect">
@@ -3337,6 +3337,41 @@
           </a:prstGeom>
         </p:spPr>
       </p:pic>
+      <p:sp>
+        <p:nvSpPr>
+          <p:cNvPr id="2" name="テキスト ボックス 1">
+            <a:extLst>
+              <a:ext uri="{FF2B5EF4-FFF2-40B4-BE49-F238E27FC236}">
+                <a16:creationId xmlns:a16="http://schemas.microsoft.com/office/drawing/2014/main" id="{AA233ADA-A0BB-524C-94B4-95C64EEF6A74}"/>
+              </a:ext>
+            </a:extLst>
+          </p:cNvPr>
+          <p:cNvSpPr txBox="1"/>
+          <p:nvPr/>
+        </p:nvSpPr>
+        <p:spPr>
+          <a:xfrm>
+            <a:off x="831273" y="1524000"/>
+            <a:ext cx="2004291" cy="369332"/>
+          </a:xfrm>
+          <a:prstGeom prst="rect">
+            <a:avLst/>
+          </a:prstGeom>
+          <a:noFill/>
+        </p:spPr>
+        <p:txBody>
+          <a:bodyPr wrap="square" rtlCol="0">
+            <a:spAutoFit/>
+          </a:bodyPr>
+          <a:lstStyle/>
+          <a:p>
+            <a:r>
+              <a:rPr kumimoji="1" lang="ja-JP" altLang="en-US"/>
+              <a:t>交差点モデル</a:t>
+            </a:r>
+          </a:p>
+        </p:txBody>
+      </p:sp>
     </p:spTree>
     <p:extLst>
       <p:ext uri="{BB962C8B-B14F-4D97-AF65-F5344CB8AC3E}">

--- a/ssi19shortP.pptx
+++ b/ssi19shortP.pptx
@@ -254,7 +254,7 @@
           <a:p>
             <a:fld id="{359F4C49-761D-CD4D-B697-D7C8C818216D}" type="datetimeFigureOut">
               <a:rPr kumimoji="1" lang="ja-JP" altLang="en-US" smtClean="0"/>
-              <a:t>2019/11/1</a:t>
+              <a:t>2019/11/5</a:t>
             </a:fld>
             <a:endParaRPr kumimoji="1" lang="ja-JP" altLang="en-US"/>
           </a:p>
@@ -432,7 +432,7 @@
           <a:p>
             <a:fld id="{359F4C49-761D-CD4D-B697-D7C8C818216D}" type="datetimeFigureOut">
               <a:rPr kumimoji="1" lang="ja-JP" altLang="en-US" smtClean="0"/>
-              <a:t>2019/11/1</a:t>
+              <a:t>2019/11/5</a:t>
             </a:fld>
             <a:endParaRPr kumimoji="1" lang="ja-JP" altLang="en-US"/>
           </a:p>
@@ -620,7 +620,7 @@
           <a:p>
             <a:fld id="{359F4C49-761D-CD4D-B697-D7C8C818216D}" type="datetimeFigureOut">
               <a:rPr kumimoji="1" lang="ja-JP" altLang="en-US" smtClean="0"/>
-              <a:t>2019/11/1</a:t>
+              <a:t>2019/11/5</a:t>
             </a:fld>
             <a:endParaRPr kumimoji="1" lang="ja-JP" altLang="en-US"/>
           </a:p>
@@ -798,7 +798,7 @@
           <a:p>
             <a:fld id="{359F4C49-761D-CD4D-B697-D7C8C818216D}" type="datetimeFigureOut">
               <a:rPr kumimoji="1" lang="ja-JP" altLang="en-US" smtClean="0"/>
-              <a:t>2019/11/1</a:t>
+              <a:t>2019/11/5</a:t>
             </a:fld>
             <a:endParaRPr kumimoji="1" lang="ja-JP" altLang="en-US"/>
           </a:p>
@@ -1079,7 +1079,7 @@
           <a:p>
             <a:fld id="{359F4C49-761D-CD4D-B697-D7C8C818216D}" type="datetimeFigureOut">
               <a:rPr kumimoji="1" lang="ja-JP" altLang="en-US" smtClean="0"/>
-              <a:t>2019/11/1</a:t>
+              <a:t>2019/11/5</a:t>
             </a:fld>
             <a:endParaRPr kumimoji="1" lang="ja-JP" altLang="en-US"/>
           </a:p>
@@ -1327,7 +1327,7 @@
           <a:p>
             <a:fld id="{359F4C49-761D-CD4D-B697-D7C8C818216D}" type="datetimeFigureOut">
               <a:rPr kumimoji="1" lang="ja-JP" altLang="en-US" smtClean="0"/>
-              <a:t>2019/11/1</a:t>
+              <a:t>2019/11/5</a:t>
             </a:fld>
             <a:endParaRPr kumimoji="1" lang="ja-JP" altLang="en-US"/>
           </a:p>
@@ -1784,7 +1784,7 @@
           <a:p>
             <a:fld id="{359F4C49-761D-CD4D-B697-D7C8C818216D}" type="datetimeFigureOut">
               <a:rPr kumimoji="1" lang="ja-JP" altLang="en-US" smtClean="0"/>
-              <a:t>2019/11/1</a:t>
+              <a:t>2019/11/5</a:t>
             </a:fld>
             <a:endParaRPr kumimoji="1" lang="ja-JP" altLang="en-US"/>
           </a:p>
@@ -1902,7 +1902,7 @@
           <a:p>
             <a:fld id="{359F4C49-761D-CD4D-B697-D7C8C818216D}" type="datetimeFigureOut">
               <a:rPr kumimoji="1" lang="ja-JP" altLang="en-US" smtClean="0"/>
-              <a:t>2019/11/1</a:t>
+              <a:t>2019/11/5</a:t>
             </a:fld>
             <a:endParaRPr kumimoji="1" lang="ja-JP" altLang="en-US"/>
           </a:p>
@@ -1997,7 +1997,7 @@
           <a:p>
             <a:fld id="{359F4C49-761D-CD4D-B697-D7C8C818216D}" type="datetimeFigureOut">
               <a:rPr kumimoji="1" lang="ja-JP" altLang="en-US" smtClean="0"/>
-              <a:t>2019/11/1</a:t>
+              <a:t>2019/11/5</a:t>
             </a:fld>
             <a:endParaRPr kumimoji="1" lang="ja-JP" altLang="en-US"/>
           </a:p>
@@ -2319,7 +2319,7 @@
           <a:p>
             <a:fld id="{359F4C49-761D-CD4D-B697-D7C8C818216D}" type="datetimeFigureOut">
               <a:rPr kumimoji="1" lang="ja-JP" altLang="en-US" smtClean="0"/>
-              <a:t>2019/11/1</a:t>
+              <a:t>2019/11/5</a:t>
             </a:fld>
             <a:endParaRPr kumimoji="1" lang="ja-JP" altLang="en-US"/>
           </a:p>
@@ -2613,7 +2613,7 @@
           <a:p>
             <a:fld id="{359F4C49-761D-CD4D-B697-D7C8C818216D}" type="datetimeFigureOut">
               <a:rPr kumimoji="1" lang="ja-JP" altLang="en-US" smtClean="0"/>
-              <a:t>2019/11/1</a:t>
+              <a:t>2019/11/5</a:t>
             </a:fld>
             <a:endParaRPr kumimoji="1" lang="ja-JP" altLang="en-US"/>
           </a:p>
@@ -2834,7 +2834,7 @@
           <a:p>
             <a:fld id="{359F4C49-761D-CD4D-B697-D7C8C818216D}" type="datetimeFigureOut">
               <a:rPr kumimoji="1" lang="ja-JP" altLang="en-US" smtClean="0"/>
-              <a:t>2019/11/1</a:t>
+              <a:t>2019/11/5</a:t>
             </a:fld>
             <a:endParaRPr kumimoji="1" lang="ja-JP" altLang="en-US"/>
           </a:p>
@@ -3239,6 +3239,35 @@
           <a:chExt cx="0" cy="0"/>
         </a:xfrm>
       </p:grpSpPr>
+      <p:pic>
+        <p:nvPicPr>
+          <p:cNvPr id="4" name="図 3">
+            <a:extLst>
+              <a:ext uri="{FF2B5EF4-FFF2-40B4-BE49-F238E27FC236}">
+                <a16:creationId xmlns:a16="http://schemas.microsoft.com/office/drawing/2014/main" id="{4AA82EA2-DE46-DF49-8317-FB995729C946}"/>
+              </a:ext>
+            </a:extLst>
+          </p:cNvPr>
+          <p:cNvPicPr>
+            <a:picLocks noChangeAspect="1"/>
+          </p:cNvPicPr>
+          <p:nvPr/>
+        </p:nvPicPr>
+        <p:blipFill rotWithShape="1">
+          <a:blip r:embed="rId2"/>
+          <a:srcRect l="13353" r="11721" b="4413"/>
+          <a:stretch/>
+        </p:blipFill>
+        <p:spPr>
+          <a:xfrm>
+            <a:off x="104173" y="3411299"/>
+            <a:ext cx="2792501" cy="2671925"/>
+          </a:xfrm>
+          <a:prstGeom prst="rect">
+            <a:avLst/>
+          </a:prstGeom>
+        </p:spPr>
+      </p:pic>
       <p:sp>
         <p:nvSpPr>
           <p:cNvPr id="5" name="コンテンツ プレースホルダー 4">
@@ -3322,15 +3351,15 @@
           <p:nvPr/>
         </p:nvPicPr>
         <p:blipFill>
-          <a:blip r:embed="rId2"/>
+          <a:blip r:embed="rId3"/>
           <a:stretch>
             <a:fillRect/>
           </a:stretch>
         </p:blipFill>
         <p:spPr>
           <a:xfrm>
-            <a:off x="2669309" y="1982163"/>
-            <a:ext cx="4396509" cy="600818"/>
+            <a:off x="3102899" y="2636479"/>
+            <a:ext cx="5669775" cy="774820"/>
           </a:xfrm>
           <a:prstGeom prst="rect">
             <a:avLst/>
@@ -3351,8 +3380,8 @@
         </p:nvSpPr>
         <p:spPr>
           <a:xfrm>
-            <a:off x="831273" y="1524000"/>
-            <a:ext cx="2004291" cy="369332"/>
+            <a:off x="104173" y="175491"/>
+            <a:ext cx="995422" cy="369332"/>
           </a:xfrm>
           <a:prstGeom prst="rect">
             <a:avLst/>
@@ -3365,9 +3394,99 @@
           </a:bodyPr>
           <a:lstStyle/>
           <a:p>
-            <a:r>
-              <a:rPr kumimoji="1" lang="ja-JP" altLang="en-US"/>
-              <a:t>交差点モデル</a:t>
+            <a:pPr algn="ctr"/>
+            <a:r>
+              <a:rPr kumimoji="1" lang="en-US" altLang="ja-JP" dirty="0"/>
+              <a:t>SS11-10</a:t>
+            </a:r>
+          </a:p>
+        </p:txBody>
+      </p:sp>
+      <p:pic>
+        <p:nvPicPr>
+          <p:cNvPr id="8" name="図 7">
+            <a:extLst>
+              <a:ext uri="{FF2B5EF4-FFF2-40B4-BE49-F238E27FC236}">
+                <a16:creationId xmlns:a16="http://schemas.microsoft.com/office/drawing/2014/main" id="{C3E8E4AB-AAC7-9A4B-AF6E-BC0BA4623137}"/>
+              </a:ext>
+            </a:extLst>
+          </p:cNvPr>
+          <p:cNvPicPr>
+            <a:picLocks noChangeAspect="1"/>
+          </p:cNvPicPr>
+          <p:nvPr/>
+        </p:nvPicPr>
+        <p:blipFill>
+          <a:blip r:embed="rId4"/>
+          <a:stretch>
+            <a:fillRect/>
+          </a:stretch>
+        </p:blipFill>
+        <p:spPr>
+          <a:xfrm>
+            <a:off x="3196678" y="3942269"/>
+            <a:ext cx="5575996" cy="2527978"/>
+          </a:xfrm>
+          <a:prstGeom prst="rect">
+            <a:avLst/>
+          </a:prstGeom>
+        </p:spPr>
+      </p:pic>
+      <p:sp>
+        <p:nvSpPr>
+          <p:cNvPr id="9" name="テキスト ボックス 8">
+            <a:extLst>
+              <a:ext uri="{FF2B5EF4-FFF2-40B4-BE49-F238E27FC236}">
+                <a16:creationId xmlns:a16="http://schemas.microsoft.com/office/drawing/2014/main" id="{0969A031-881B-4648-9054-B78BD09C8E24}"/>
+              </a:ext>
+            </a:extLst>
+          </p:cNvPr>
+          <p:cNvSpPr txBox="1"/>
+          <p:nvPr/>
+        </p:nvSpPr>
+        <p:spPr>
+          <a:xfrm>
+            <a:off x="416689" y="1446835"/>
+            <a:ext cx="8646288" cy="923330"/>
+          </a:xfrm>
+          <a:prstGeom prst="rect">
+            <a:avLst/>
+          </a:prstGeom>
+          <a:noFill/>
+        </p:spPr>
+        <p:txBody>
+          <a:bodyPr wrap="square" rtlCol="0">
+            <a:spAutoFit/>
+          </a:bodyPr>
+          <a:lstStyle/>
+          <a:p>
+            <a:r>
+              <a:rPr lang="ja-JP" altLang="en-US">
+                <a:latin typeface="Hiragino Sans W4" panose="020B0400000000000000" pitchFamily="34" charset="-128"/>
+                <a:ea typeface="Hiragino Sans W4" panose="020B0400000000000000" pitchFamily="34" charset="-128"/>
+              </a:rPr>
+              <a:t>自動運転車群による交差点通過の制御アルゴリズムを，</a:t>
+            </a:r>
+            <a:r>
+              <a:rPr lang="en" altLang="ja-JP" dirty="0">
+                <a:latin typeface="Hiragino Sans W4" panose="020B0400000000000000" pitchFamily="34" charset="-128"/>
+                <a:ea typeface="Hiragino Sans W4" panose="020B0400000000000000" pitchFamily="34" charset="-128"/>
+              </a:rPr>
+              <a:t>UPPAAL </a:t>
+            </a:r>
+            <a:r>
+              <a:rPr lang="ja-JP" altLang="en-US">
+                <a:latin typeface="Hiragino Sans W4" panose="020B0400000000000000" pitchFamily="34" charset="-128"/>
+                <a:ea typeface="Hiragino Sans W4" panose="020B0400000000000000" pitchFamily="34" charset="-128"/>
+              </a:rPr>
+              <a:t>ツールにより時間オートマトンとして形式的にモデル化し，モデル検査技術を用いて，追従も含めたアルゴリズム，最小時間を検証する手法を検討する</a:t>
+            </a:r>
+            <a:r>
+              <a:rPr lang="en-US" altLang="ja-JP" dirty="0">
+                <a:latin typeface="Hiragino Sans W4" panose="020B0400000000000000" pitchFamily="34" charset="-128"/>
+                <a:ea typeface="Hiragino Sans W4" panose="020B0400000000000000" pitchFamily="34" charset="-128"/>
+              </a:rPr>
+              <a:t>. </a:t>
             </a:r>
           </a:p>
         </p:txBody>

--- a/ssi19shortP.pptx
+++ b/ssi19shortP.pptx
@@ -3358,8 +3358,8 @@
         </p:blipFill>
         <p:spPr>
           <a:xfrm>
-            <a:off x="3102899" y="2636479"/>
-            <a:ext cx="5669775" cy="774820"/>
+            <a:off x="3196678" y="3002393"/>
+            <a:ext cx="5725649" cy="774820"/>
           </a:xfrm>
           <a:prstGeom prst="rect">
             <a:avLst/>
@@ -3424,8 +3424,8 @@
         </p:blipFill>
         <p:spPr>
           <a:xfrm>
-            <a:off x="3196678" y="3942269"/>
-            <a:ext cx="5575996" cy="2527978"/>
+            <a:off x="3196677" y="3942269"/>
+            <a:ext cx="5725649" cy="2527978"/>
           </a:xfrm>
           <a:prstGeom prst="rect">
             <a:avLst/>
@@ -3434,10 +3434,10 @@
       </p:pic>
       <p:sp>
         <p:nvSpPr>
-          <p:cNvPr id="9" name="テキスト ボックス 8">
+          <p:cNvPr id="3" name="テキスト ボックス 2">
             <a:extLst>
               <a:ext uri="{FF2B5EF4-FFF2-40B4-BE49-F238E27FC236}">
-                <a16:creationId xmlns:a16="http://schemas.microsoft.com/office/drawing/2014/main" id="{0969A031-881B-4648-9054-B78BD09C8E24}"/>
+                <a16:creationId xmlns:a16="http://schemas.microsoft.com/office/drawing/2014/main" id="{6126B113-64D1-A547-908D-9083E3C44D27}"/>
               </a:ext>
             </a:extLst>
           </p:cNvPr>
@@ -3446,8 +3446,8 @@
         </p:nvSpPr>
         <p:spPr>
           <a:xfrm>
-            <a:off x="416689" y="1446835"/>
-            <a:ext cx="8646288" cy="923330"/>
+            <a:off x="104172" y="1283855"/>
+            <a:ext cx="8910519" cy="1754326"/>
           </a:xfrm>
           <a:prstGeom prst="rect">
             <a:avLst/>
@@ -3462,31 +3462,64 @@
           <a:p>
             <a:r>
               <a:rPr lang="ja-JP" altLang="en-US">
-                <a:latin typeface="Hiragino Sans W4" panose="020B0400000000000000" pitchFamily="34" charset="-128"/>
-                <a:ea typeface="Hiragino Sans W4" panose="020B0400000000000000" pitchFamily="34" charset="-128"/>
+                <a:latin typeface="Hiragino Sans W3" panose="020B0300000000000000" pitchFamily="34" charset="-128"/>
+                <a:ea typeface="Hiragino Sans W3" panose="020B0300000000000000" pitchFamily="34" charset="-128"/>
               </a:rPr>
-              <a:t>自動運転車群による交差点通過の制御アルゴリズムを，</a:t>
-            </a:r>
-            <a:r>
-              <a:rPr lang="en" altLang="ja-JP" dirty="0">
-                <a:latin typeface="Hiragino Sans W4" panose="020B0400000000000000" pitchFamily="34" charset="-128"/>
-                <a:ea typeface="Hiragino Sans W4" panose="020B0400000000000000" pitchFamily="34" charset="-128"/>
+              <a:t>本研究では時間制約の扱えるモデル検査ツール</a:t>
+            </a:r>
+            <a:r>
+              <a:rPr kumimoji="1" lang="en-US" altLang="ja-JP" dirty="0">
+                <a:latin typeface="Hiragino Sans W3" panose="020B0300000000000000" pitchFamily="34" charset="-128"/>
+                <a:ea typeface="Hiragino Sans W3" panose="020B0300000000000000" pitchFamily="34" charset="-128"/>
               </a:rPr>
-              <a:t>UPPAAL </a:t>
-            </a:r>
+              <a:t>UPPAAL</a:t>
+            </a:r>
+            <a:r>
+              <a:rPr kumimoji="1" lang="ja-JP" altLang="en-US">
+                <a:latin typeface="Hiragino Sans W3" panose="020B0300000000000000" pitchFamily="34" charset="-128"/>
+                <a:ea typeface="Hiragino Sans W3" panose="020B0300000000000000" pitchFamily="34" charset="-128"/>
+              </a:rPr>
+              <a:t>を採用した．</a:t>
+            </a:r>
+            <a:endParaRPr kumimoji="1" lang="en-US" altLang="ja-JP" dirty="0">
+              <a:latin typeface="Hiragino Sans W3" panose="020B0300000000000000" pitchFamily="34" charset="-128"/>
+              <a:ea typeface="Hiragino Sans W3" panose="020B0300000000000000" pitchFamily="34" charset="-128"/>
+            </a:endParaRPr>
+          </a:p>
+          <a:p>
             <a:r>
               <a:rPr lang="ja-JP" altLang="en-US">
-                <a:latin typeface="Hiragino Sans W4" panose="020B0400000000000000" pitchFamily="34" charset="-128"/>
-                <a:ea typeface="Hiragino Sans W4" panose="020B0400000000000000" pitchFamily="34" charset="-128"/>
+                <a:latin typeface="Hiragino Sans W3" panose="020B0300000000000000" pitchFamily="34" charset="-128"/>
+                <a:ea typeface="Hiragino Sans W3" panose="020B0300000000000000" pitchFamily="34" charset="-128"/>
               </a:rPr>
-              <a:t>ツールにより時間オートマトンとして形式的にモデル化し，モデル検査技術を用いて，追従も含めたアルゴリズム，最小時間を検証する手法を検討する</a:t>
+              <a:t>交差点通過の制御アルゴリズムを時間オートマトンとして記述し，</a:t>
             </a:r>
             <a:r>
               <a:rPr lang="en-US" altLang="ja-JP" dirty="0">
-                <a:latin typeface="Hiragino Sans W4" panose="020B0400000000000000" pitchFamily="34" charset="-128"/>
-                <a:ea typeface="Hiragino Sans W4" panose="020B0400000000000000" pitchFamily="34" charset="-128"/>
+                <a:latin typeface="Hiragino Sans W3" panose="020B0300000000000000" pitchFamily="34" charset="-128"/>
+                <a:ea typeface="Hiragino Sans W3" panose="020B0300000000000000" pitchFamily="34" charset="-128"/>
               </a:rPr>
-              <a:t>. </a:t>
+              <a:t>UPPAAL</a:t>
+            </a:r>
+            <a:r>
+              <a:rPr lang="ja-JP" altLang="en-US">
+                <a:latin typeface="Hiragino Sans W3" panose="020B0300000000000000" pitchFamily="34" charset="-128"/>
+                <a:ea typeface="Hiragino Sans W3" panose="020B0300000000000000" pitchFamily="34" charset="-128"/>
+              </a:rPr>
+              <a:t>で検証した．</a:t>
+            </a:r>
+            <a:endParaRPr lang="en-US" altLang="ja-JP" dirty="0">
+              <a:latin typeface="Hiragino Sans W3" panose="020B0300000000000000" pitchFamily="34" charset="-128"/>
+              <a:ea typeface="Hiragino Sans W3" panose="020B0300000000000000" pitchFamily="34" charset="-128"/>
+            </a:endParaRPr>
+          </a:p>
+          <a:p>
+            <a:r>
+              <a:rPr kumimoji="1" lang="ja-JP" altLang="en-US">
+                <a:latin typeface="Hiragino Sans W3" panose="020B0300000000000000" pitchFamily="34" charset="-128"/>
+                <a:ea typeface="Hiragino Sans W3" panose="020B0300000000000000" pitchFamily="34" charset="-128"/>
+              </a:rPr>
+              <a:t>従来研究では同方向においては先方車が通過終了まで後続車は通過できないのに対して，本研究では追従を含む検証が可能になり．より効率的なアルゴリズムが安全であることを示した．</a:t>
             </a:r>
           </a:p>
         </p:txBody>

--- a/ssi19shortP.pptx
+++ b/ssi19shortP.pptx
@@ -254,7 +254,7 @@
           <a:p>
             <a:fld id="{359F4C49-761D-CD4D-B697-D7C8C818216D}" type="datetimeFigureOut">
               <a:rPr kumimoji="1" lang="ja-JP" altLang="en-US" smtClean="0"/>
-              <a:t>2019/11/5</a:t>
+              <a:t>2019/11/6</a:t>
             </a:fld>
             <a:endParaRPr kumimoji="1" lang="ja-JP" altLang="en-US"/>
           </a:p>
@@ -432,7 +432,7 @@
           <a:p>
             <a:fld id="{359F4C49-761D-CD4D-B697-D7C8C818216D}" type="datetimeFigureOut">
               <a:rPr kumimoji="1" lang="ja-JP" altLang="en-US" smtClean="0"/>
-              <a:t>2019/11/5</a:t>
+              <a:t>2019/11/6</a:t>
             </a:fld>
             <a:endParaRPr kumimoji="1" lang="ja-JP" altLang="en-US"/>
           </a:p>
@@ -620,7 +620,7 @@
           <a:p>
             <a:fld id="{359F4C49-761D-CD4D-B697-D7C8C818216D}" type="datetimeFigureOut">
               <a:rPr kumimoji="1" lang="ja-JP" altLang="en-US" smtClean="0"/>
-              <a:t>2019/11/5</a:t>
+              <a:t>2019/11/6</a:t>
             </a:fld>
             <a:endParaRPr kumimoji="1" lang="ja-JP" altLang="en-US"/>
           </a:p>
@@ -798,7 +798,7 @@
           <a:p>
             <a:fld id="{359F4C49-761D-CD4D-B697-D7C8C818216D}" type="datetimeFigureOut">
               <a:rPr kumimoji="1" lang="ja-JP" altLang="en-US" smtClean="0"/>
-              <a:t>2019/11/5</a:t>
+              <a:t>2019/11/6</a:t>
             </a:fld>
             <a:endParaRPr kumimoji="1" lang="ja-JP" altLang="en-US"/>
           </a:p>
@@ -1079,7 +1079,7 @@
           <a:p>
             <a:fld id="{359F4C49-761D-CD4D-B697-D7C8C818216D}" type="datetimeFigureOut">
               <a:rPr kumimoji="1" lang="ja-JP" altLang="en-US" smtClean="0"/>
-              <a:t>2019/11/5</a:t>
+              <a:t>2019/11/6</a:t>
             </a:fld>
             <a:endParaRPr kumimoji="1" lang="ja-JP" altLang="en-US"/>
           </a:p>
@@ -1327,7 +1327,7 @@
           <a:p>
             <a:fld id="{359F4C49-761D-CD4D-B697-D7C8C818216D}" type="datetimeFigureOut">
               <a:rPr kumimoji="1" lang="ja-JP" altLang="en-US" smtClean="0"/>
-              <a:t>2019/11/5</a:t>
+              <a:t>2019/11/6</a:t>
             </a:fld>
             <a:endParaRPr kumimoji="1" lang="ja-JP" altLang="en-US"/>
           </a:p>
@@ -1784,7 +1784,7 @@
           <a:p>
             <a:fld id="{359F4C49-761D-CD4D-B697-D7C8C818216D}" type="datetimeFigureOut">
               <a:rPr kumimoji="1" lang="ja-JP" altLang="en-US" smtClean="0"/>
-              <a:t>2019/11/5</a:t>
+              <a:t>2019/11/6</a:t>
             </a:fld>
             <a:endParaRPr kumimoji="1" lang="ja-JP" altLang="en-US"/>
           </a:p>
@@ -1902,7 +1902,7 @@
           <a:p>
             <a:fld id="{359F4C49-761D-CD4D-B697-D7C8C818216D}" type="datetimeFigureOut">
               <a:rPr kumimoji="1" lang="ja-JP" altLang="en-US" smtClean="0"/>
-              <a:t>2019/11/5</a:t>
+              <a:t>2019/11/6</a:t>
             </a:fld>
             <a:endParaRPr kumimoji="1" lang="ja-JP" altLang="en-US"/>
           </a:p>
@@ -1997,7 +1997,7 @@
           <a:p>
             <a:fld id="{359F4C49-761D-CD4D-B697-D7C8C818216D}" type="datetimeFigureOut">
               <a:rPr kumimoji="1" lang="ja-JP" altLang="en-US" smtClean="0"/>
-              <a:t>2019/11/5</a:t>
+              <a:t>2019/11/6</a:t>
             </a:fld>
             <a:endParaRPr kumimoji="1" lang="ja-JP" altLang="en-US"/>
           </a:p>
@@ -2319,7 +2319,7 @@
           <a:p>
             <a:fld id="{359F4C49-761D-CD4D-B697-D7C8C818216D}" type="datetimeFigureOut">
               <a:rPr kumimoji="1" lang="ja-JP" altLang="en-US" smtClean="0"/>
-              <a:t>2019/11/5</a:t>
+              <a:t>2019/11/6</a:t>
             </a:fld>
             <a:endParaRPr kumimoji="1" lang="ja-JP" altLang="en-US"/>
           </a:p>
@@ -2613,7 +2613,7 @@
           <a:p>
             <a:fld id="{359F4C49-761D-CD4D-B697-D7C8C818216D}" type="datetimeFigureOut">
               <a:rPr kumimoji="1" lang="ja-JP" altLang="en-US" smtClean="0"/>
-              <a:t>2019/11/5</a:t>
+              <a:t>2019/11/6</a:t>
             </a:fld>
             <a:endParaRPr kumimoji="1" lang="ja-JP" altLang="en-US"/>
           </a:p>
@@ -2834,7 +2834,7 @@
           <a:p>
             <a:fld id="{359F4C49-761D-CD4D-B697-D7C8C818216D}" type="datetimeFigureOut">
               <a:rPr kumimoji="1" lang="ja-JP" altLang="en-US" smtClean="0"/>
-              <a:t>2019/11/5</a:t>
+              <a:t>2019/11/6</a:t>
             </a:fld>
             <a:endParaRPr kumimoji="1" lang="ja-JP" altLang="en-US"/>
           </a:p>
@@ -3446,7 +3446,7 @@
         </p:nvSpPr>
         <p:spPr>
           <a:xfrm>
-            <a:off x="104172" y="1283855"/>
+            <a:off x="8228303" y="6971847"/>
             <a:ext cx="8910519" cy="1754326"/>
           </a:xfrm>
           <a:prstGeom prst="rect">
@@ -3521,6 +3521,94 @@
               </a:rPr>
               <a:t>従来研究では同方向においては先方車が通過終了まで後続車は通過できないのに対して，本研究では追従を含む検証が可能になり．より効率的なアルゴリズムが安全であることを示した．</a:t>
             </a:r>
+          </a:p>
+        </p:txBody>
+      </p:sp>
+      <p:sp>
+        <p:nvSpPr>
+          <p:cNvPr id="9" name="テキスト ボックス 8">
+            <a:extLst>
+              <a:ext uri="{FF2B5EF4-FFF2-40B4-BE49-F238E27FC236}">
+                <a16:creationId xmlns:a16="http://schemas.microsoft.com/office/drawing/2014/main" id="{25B27DFB-EA82-5644-ACC2-21334C74BBAD}"/>
+              </a:ext>
+            </a:extLst>
+          </p:cNvPr>
+          <p:cNvSpPr txBox="1"/>
+          <p:nvPr/>
+        </p:nvSpPr>
+        <p:spPr>
+          <a:xfrm>
+            <a:off x="104173" y="1233761"/>
+            <a:ext cx="8910519" cy="1477328"/>
+          </a:xfrm>
+          <a:prstGeom prst="rect">
+            <a:avLst/>
+          </a:prstGeom>
+          <a:noFill/>
+        </p:spPr>
+        <p:txBody>
+          <a:bodyPr wrap="square" rtlCol="0">
+            <a:spAutoFit/>
+          </a:bodyPr>
+          <a:lstStyle/>
+          <a:p>
+            <a:r>
+              <a:rPr lang="ja-JP" altLang="en-US">
+                <a:latin typeface="Hiragino Sans W3" panose="020B0300000000000000" pitchFamily="34" charset="-128"/>
+                <a:ea typeface="Hiragino Sans W3" panose="020B0300000000000000" pitchFamily="34" charset="-128"/>
+              </a:rPr>
+              <a:t>目的：</a:t>
+            </a:r>
+            <a:r>
+              <a:rPr lang="en" altLang="ja-JP" dirty="0">
+                <a:latin typeface="Hiragino Sans W3" panose="020B0300000000000000" pitchFamily="34" charset="-128"/>
+                <a:ea typeface="Hiragino Sans W3" panose="020B0300000000000000" pitchFamily="34" charset="-128"/>
+              </a:rPr>
+              <a:t>UPPAAL</a:t>
+            </a:r>
+            <a:r>
+              <a:rPr lang="ja-JP" altLang="en-US">
+                <a:latin typeface="Hiragino Sans W3" panose="020B0300000000000000" pitchFamily="34" charset="-128"/>
+                <a:ea typeface="Hiragino Sans W3" panose="020B0300000000000000" pitchFamily="34" charset="-128"/>
+              </a:rPr>
+              <a:t>で，アルゴリズムをモデル化し，性質を検証する</a:t>
+            </a:r>
+          </a:p>
+          <a:p>
+            <a:r>
+              <a:rPr lang="ja-JP" altLang="en-US">
+                <a:latin typeface="Hiragino Sans W3" panose="020B0300000000000000" pitchFamily="34" charset="-128"/>
+                <a:ea typeface="Hiragino Sans W3" panose="020B0300000000000000" pitchFamily="34" charset="-128"/>
+              </a:rPr>
+              <a:t>手法：</a:t>
+            </a:r>
+            <a:r>
+              <a:rPr lang="en" altLang="ja-JP" dirty="0">
+                <a:latin typeface="Hiragino Sans W3" panose="020B0300000000000000" pitchFamily="34" charset="-128"/>
+                <a:ea typeface="Hiragino Sans W3" panose="020B0300000000000000" pitchFamily="34" charset="-128"/>
+              </a:rPr>
+              <a:t>UPPAAL</a:t>
+            </a:r>
+            <a:r>
+              <a:rPr lang="ja-JP" altLang="en-US">
+                <a:latin typeface="Hiragino Sans W3" panose="020B0300000000000000" pitchFamily="34" charset="-128"/>
+                <a:ea typeface="Hiragino Sans W3" panose="020B0300000000000000" pitchFamily="34" charset="-128"/>
+              </a:rPr>
+              <a:t>では，時間オートマトンによるモデル化，シミュレーション実行，モデル検査による形式的検証が可能</a:t>
+            </a:r>
+          </a:p>
+          <a:p>
+            <a:r>
+              <a:rPr lang="ja-JP" altLang="en-US">
+                <a:latin typeface="Hiragino Sans W3" panose="020B0300000000000000" pitchFamily="34" charset="-128"/>
+                <a:ea typeface="Hiragino Sans W3" panose="020B0300000000000000" pitchFamily="34" charset="-128"/>
+              </a:rPr>
+              <a:t>結果：特定の方向の車両が前方車に追従して交差点を通過可能なアルゴリズムをモデル化した．安全性（衝突回避）と効率性（従来よりも短い時間での通過）を示した．</a:t>
+            </a:r>
+            <a:endParaRPr kumimoji="1" lang="ja-JP" altLang="en-US">
+              <a:latin typeface="Hiragino Sans W3" panose="020B0300000000000000" pitchFamily="34" charset="-128"/>
+              <a:ea typeface="Hiragino Sans W3" panose="020B0300000000000000" pitchFamily="34" charset="-128"/>
+            </a:endParaRPr>
           </a:p>
         </p:txBody>
       </p:sp>

--- a/ssi19shortP.pptx
+++ b/ssi19shortP.pptx
@@ -4,6 +4,9 @@
   <p:sldMasterIdLst>
     <p:sldMasterId id="2147483660" r:id="rId1"/>
   </p:sldMasterIdLst>
+  <p:notesMasterIdLst>
+    <p:notesMasterId r:id="rId3"/>
+  </p:notesMasterIdLst>
   <p:sldIdLst>
     <p:sldId id="256" r:id="rId2"/>
   </p:sldIdLst>
@@ -123,6 +126,599 @@
 </p:presentation>
 </file>
 
+<file path=ppt/notesMasters/notesMaster1.xml><?xml version="1.0" encoding="utf-8"?>
+<p:notesMaster xmlns:a="http://schemas.openxmlformats.org/drawingml/2006/main" xmlns:r="http://schemas.openxmlformats.org/officeDocument/2006/relationships" xmlns:p="http://schemas.openxmlformats.org/presentationml/2006/main">
+  <p:cSld>
+    <p:bg>
+      <p:bgRef idx="1001">
+        <a:schemeClr val="bg1"/>
+      </p:bgRef>
+    </p:bg>
+    <p:spTree>
+      <p:nvGrpSpPr>
+        <p:cNvPr id="1" name=""/>
+        <p:cNvGrpSpPr/>
+        <p:nvPr/>
+      </p:nvGrpSpPr>
+      <p:grpSpPr>
+        <a:xfrm>
+          <a:off x="0" y="0"/>
+          <a:ext cx="0" cy="0"/>
+          <a:chOff x="0" y="0"/>
+          <a:chExt cx="0" cy="0"/>
+        </a:xfrm>
+      </p:grpSpPr>
+      <p:sp>
+        <p:nvSpPr>
+          <p:cNvPr id="2" name="ヘッダー プレースホルダー 1"/>
+          <p:cNvSpPr>
+            <a:spLocks noGrp="1"/>
+          </p:cNvSpPr>
+          <p:nvPr>
+            <p:ph type="hdr" sz="quarter"/>
+          </p:nvPr>
+        </p:nvSpPr>
+        <p:spPr>
+          <a:xfrm>
+            <a:off x="0" y="0"/>
+            <a:ext cx="2971800" cy="458788"/>
+          </a:xfrm>
+          <a:prstGeom prst="rect">
+            <a:avLst/>
+          </a:prstGeom>
+        </p:spPr>
+        <p:txBody>
+          <a:bodyPr vert="horz" lIns="91440" tIns="45720" rIns="91440" bIns="45720" rtlCol="0"/>
+          <a:lstStyle>
+            <a:lvl1pPr algn="l">
+              <a:defRPr sz="1200"/>
+            </a:lvl1pPr>
+          </a:lstStyle>
+          <a:p>
+            <a:endParaRPr kumimoji="1" lang="ja-JP" altLang="en-US"/>
+          </a:p>
+        </p:txBody>
+      </p:sp>
+      <p:sp>
+        <p:nvSpPr>
+          <p:cNvPr id="3" name="日付プレースホルダー 2"/>
+          <p:cNvSpPr>
+            <a:spLocks noGrp="1"/>
+          </p:cNvSpPr>
+          <p:nvPr>
+            <p:ph type="dt" idx="1"/>
+          </p:nvPr>
+        </p:nvSpPr>
+        <p:spPr>
+          <a:xfrm>
+            <a:off x="3884613" y="0"/>
+            <a:ext cx="2971800" cy="458788"/>
+          </a:xfrm>
+          <a:prstGeom prst="rect">
+            <a:avLst/>
+          </a:prstGeom>
+        </p:spPr>
+        <p:txBody>
+          <a:bodyPr vert="horz" lIns="91440" tIns="45720" rIns="91440" bIns="45720" rtlCol="0"/>
+          <a:lstStyle>
+            <a:lvl1pPr algn="r">
+              <a:defRPr sz="1200"/>
+            </a:lvl1pPr>
+          </a:lstStyle>
+          <a:p>
+            <a:fld id="{E2030BF8-1D35-9448-A9BC-1EFF7F5FE641}" type="datetimeFigureOut">
+              <a:rPr kumimoji="1" lang="ja-JP" altLang="en-US" smtClean="0"/>
+              <a:t>2019/11/7</a:t>
+            </a:fld>
+            <a:endParaRPr kumimoji="1" lang="ja-JP" altLang="en-US"/>
+          </a:p>
+        </p:txBody>
+      </p:sp>
+      <p:sp>
+        <p:nvSpPr>
+          <p:cNvPr id="4" name="スライド イメージ プレースホルダー 3"/>
+          <p:cNvSpPr>
+            <a:spLocks noGrp="1" noRot="1" noChangeAspect="1"/>
+          </p:cNvSpPr>
+          <p:nvPr>
+            <p:ph type="sldImg" idx="2"/>
+          </p:nvPr>
+        </p:nvSpPr>
+        <p:spPr>
+          <a:xfrm>
+            <a:off x="1371600" y="1143000"/>
+            <a:ext cx="4114800" cy="3086100"/>
+          </a:xfrm>
+          <a:prstGeom prst="rect">
+            <a:avLst/>
+          </a:prstGeom>
+          <a:noFill/>
+          <a:ln w="12700">
+            <a:solidFill>
+              <a:prstClr val="black"/>
+            </a:solidFill>
+          </a:ln>
+        </p:spPr>
+        <p:txBody>
+          <a:bodyPr vert="horz" lIns="91440" tIns="45720" rIns="91440" bIns="45720" rtlCol="0" anchor="ctr"/>
+          <a:lstStyle/>
+          <a:p>
+            <a:endParaRPr lang="ja-JP" altLang="en-US"/>
+          </a:p>
+        </p:txBody>
+      </p:sp>
+      <p:sp>
+        <p:nvSpPr>
+          <p:cNvPr id="5" name="ノート プレースホルダー 4"/>
+          <p:cNvSpPr>
+            <a:spLocks noGrp="1"/>
+          </p:cNvSpPr>
+          <p:nvPr>
+            <p:ph type="body" sz="quarter" idx="3"/>
+          </p:nvPr>
+        </p:nvSpPr>
+        <p:spPr>
+          <a:xfrm>
+            <a:off x="685800" y="4400550"/>
+            <a:ext cx="5486400" cy="3600450"/>
+          </a:xfrm>
+          <a:prstGeom prst="rect">
+            <a:avLst/>
+          </a:prstGeom>
+        </p:spPr>
+        <p:txBody>
+          <a:bodyPr vert="horz" lIns="91440" tIns="45720" rIns="91440" bIns="45720" rtlCol="0"/>
+          <a:lstStyle/>
+          <a:p>
+            <a:r>
+              <a:rPr kumimoji="1" lang="ja-JP" altLang="en-US"/>
+              <a:t>マスター テキストの書式設定
+第 </a:t>
+            </a:r>
+            <a:r>
+              <a:rPr kumimoji="1" lang="en-US" altLang="ja-JP"/>
+              <a:t>2 </a:t>
+            </a:r>
+            <a:r>
+              <a:rPr kumimoji="1" lang="ja-JP" altLang="en-US"/>
+              <a:t>レベル
+第 </a:t>
+            </a:r>
+            <a:r>
+              <a:rPr kumimoji="1" lang="en-US" altLang="ja-JP"/>
+              <a:t>3 </a:t>
+            </a:r>
+            <a:r>
+              <a:rPr kumimoji="1" lang="ja-JP" altLang="en-US"/>
+              <a:t>レベル
+第 </a:t>
+            </a:r>
+            <a:r>
+              <a:rPr kumimoji="1" lang="en-US" altLang="ja-JP"/>
+              <a:t>4 </a:t>
+            </a:r>
+            <a:r>
+              <a:rPr kumimoji="1" lang="ja-JP" altLang="en-US"/>
+              <a:t>レベル
+第 </a:t>
+            </a:r>
+            <a:r>
+              <a:rPr kumimoji="1" lang="en-US" altLang="ja-JP"/>
+              <a:t>5 </a:t>
+            </a:r>
+            <a:r>
+              <a:rPr kumimoji="1" lang="ja-JP" altLang="en-US"/>
+              <a:t>レベル</a:t>
+            </a:r>
+          </a:p>
+        </p:txBody>
+      </p:sp>
+      <p:sp>
+        <p:nvSpPr>
+          <p:cNvPr id="6" name="フッター プレースホルダー 5"/>
+          <p:cNvSpPr>
+            <a:spLocks noGrp="1"/>
+          </p:cNvSpPr>
+          <p:nvPr>
+            <p:ph type="ftr" sz="quarter" idx="4"/>
+          </p:nvPr>
+        </p:nvSpPr>
+        <p:spPr>
+          <a:xfrm>
+            <a:off x="0" y="8685213"/>
+            <a:ext cx="2971800" cy="458787"/>
+          </a:xfrm>
+          <a:prstGeom prst="rect">
+            <a:avLst/>
+          </a:prstGeom>
+        </p:spPr>
+        <p:txBody>
+          <a:bodyPr vert="horz" lIns="91440" tIns="45720" rIns="91440" bIns="45720" rtlCol="0" anchor="b"/>
+          <a:lstStyle>
+            <a:lvl1pPr algn="l">
+              <a:defRPr sz="1200"/>
+            </a:lvl1pPr>
+          </a:lstStyle>
+          <a:p>
+            <a:endParaRPr kumimoji="1" lang="ja-JP" altLang="en-US"/>
+          </a:p>
+        </p:txBody>
+      </p:sp>
+      <p:sp>
+        <p:nvSpPr>
+          <p:cNvPr id="7" name="スライド番号プレースホルダー 6"/>
+          <p:cNvSpPr>
+            <a:spLocks noGrp="1"/>
+          </p:cNvSpPr>
+          <p:nvPr>
+            <p:ph type="sldNum" sz="quarter" idx="5"/>
+          </p:nvPr>
+        </p:nvSpPr>
+        <p:spPr>
+          <a:xfrm>
+            <a:off x="3884613" y="8685213"/>
+            <a:ext cx="2971800" cy="458787"/>
+          </a:xfrm>
+          <a:prstGeom prst="rect">
+            <a:avLst/>
+          </a:prstGeom>
+        </p:spPr>
+        <p:txBody>
+          <a:bodyPr vert="horz" lIns="91440" tIns="45720" rIns="91440" bIns="45720" rtlCol="0" anchor="b"/>
+          <a:lstStyle>
+            <a:lvl1pPr algn="r">
+              <a:defRPr sz="1200"/>
+            </a:lvl1pPr>
+          </a:lstStyle>
+          <a:p>
+            <a:fld id="{19952A6D-10B8-7843-B4AA-EA12A9EE3F88}" type="slidenum">
+              <a:rPr kumimoji="1" lang="ja-JP" altLang="en-US" smtClean="0"/>
+              <a:t>‹#›</a:t>
+            </a:fld>
+            <a:endParaRPr kumimoji="1" lang="ja-JP" altLang="en-US"/>
+          </a:p>
+        </p:txBody>
+      </p:sp>
+    </p:spTree>
+    <p:extLst>
+      <p:ext uri="{BB962C8B-B14F-4D97-AF65-F5344CB8AC3E}">
+        <p14:creationId xmlns:p14="http://schemas.microsoft.com/office/powerpoint/2010/main" val="3174389965"/>
+      </p:ext>
+    </p:extLst>
+  </p:cSld>
+  <p:clrMap bg1="lt1" tx1="dk1" bg2="lt2" tx2="dk2" accent1="accent1" accent2="accent2" accent3="accent3" accent4="accent4" accent5="accent5" accent6="accent6" hlink="hlink" folHlink="folHlink"/>
+  <p:notesStyle>
+    <a:lvl1pPr marL="0" algn="l" defTabSz="914400" rtl="0" eaLnBrk="1" latinLnBrk="0" hangingPunct="1">
+      <a:defRPr kumimoji="1" sz="1200" kern="1200">
+        <a:solidFill>
+          <a:schemeClr val="tx1"/>
+        </a:solidFill>
+        <a:latin typeface="+mn-lt"/>
+        <a:ea typeface="+mn-ea"/>
+        <a:cs typeface="+mn-cs"/>
+      </a:defRPr>
+    </a:lvl1pPr>
+    <a:lvl2pPr marL="457200" algn="l" defTabSz="914400" rtl="0" eaLnBrk="1" latinLnBrk="0" hangingPunct="1">
+      <a:defRPr kumimoji="1" sz="1200" kern="1200">
+        <a:solidFill>
+          <a:schemeClr val="tx1"/>
+        </a:solidFill>
+        <a:latin typeface="+mn-lt"/>
+        <a:ea typeface="+mn-ea"/>
+        <a:cs typeface="+mn-cs"/>
+      </a:defRPr>
+    </a:lvl2pPr>
+    <a:lvl3pPr marL="914400" algn="l" defTabSz="914400" rtl="0" eaLnBrk="1" latinLnBrk="0" hangingPunct="1">
+      <a:defRPr kumimoji="1" sz="1200" kern="1200">
+        <a:solidFill>
+          <a:schemeClr val="tx1"/>
+        </a:solidFill>
+        <a:latin typeface="+mn-lt"/>
+        <a:ea typeface="+mn-ea"/>
+        <a:cs typeface="+mn-cs"/>
+      </a:defRPr>
+    </a:lvl3pPr>
+    <a:lvl4pPr marL="1371600" algn="l" defTabSz="914400" rtl="0" eaLnBrk="1" latinLnBrk="0" hangingPunct="1">
+      <a:defRPr kumimoji="1" sz="1200" kern="1200">
+        <a:solidFill>
+          <a:schemeClr val="tx1"/>
+        </a:solidFill>
+        <a:latin typeface="+mn-lt"/>
+        <a:ea typeface="+mn-ea"/>
+        <a:cs typeface="+mn-cs"/>
+      </a:defRPr>
+    </a:lvl4pPr>
+    <a:lvl5pPr marL="1828800" algn="l" defTabSz="914400" rtl="0" eaLnBrk="1" latinLnBrk="0" hangingPunct="1">
+      <a:defRPr kumimoji="1" sz="1200" kern="1200">
+        <a:solidFill>
+          <a:schemeClr val="tx1"/>
+        </a:solidFill>
+        <a:latin typeface="+mn-lt"/>
+        <a:ea typeface="+mn-ea"/>
+        <a:cs typeface="+mn-cs"/>
+      </a:defRPr>
+    </a:lvl5pPr>
+    <a:lvl6pPr marL="2286000" algn="l" defTabSz="914400" rtl="0" eaLnBrk="1" latinLnBrk="0" hangingPunct="1">
+      <a:defRPr kumimoji="1" sz="1200" kern="1200">
+        <a:solidFill>
+          <a:schemeClr val="tx1"/>
+        </a:solidFill>
+        <a:latin typeface="+mn-lt"/>
+        <a:ea typeface="+mn-ea"/>
+        <a:cs typeface="+mn-cs"/>
+      </a:defRPr>
+    </a:lvl6pPr>
+    <a:lvl7pPr marL="2743200" algn="l" defTabSz="914400" rtl="0" eaLnBrk="1" latinLnBrk="0" hangingPunct="1">
+      <a:defRPr kumimoji="1" sz="1200" kern="1200">
+        <a:solidFill>
+          <a:schemeClr val="tx1"/>
+        </a:solidFill>
+        <a:latin typeface="+mn-lt"/>
+        <a:ea typeface="+mn-ea"/>
+        <a:cs typeface="+mn-cs"/>
+      </a:defRPr>
+    </a:lvl7pPr>
+    <a:lvl8pPr marL="3200400" algn="l" defTabSz="914400" rtl="0" eaLnBrk="1" latinLnBrk="0" hangingPunct="1">
+      <a:defRPr kumimoji="1" sz="1200" kern="1200">
+        <a:solidFill>
+          <a:schemeClr val="tx1"/>
+        </a:solidFill>
+        <a:latin typeface="+mn-lt"/>
+        <a:ea typeface="+mn-ea"/>
+        <a:cs typeface="+mn-cs"/>
+      </a:defRPr>
+    </a:lvl8pPr>
+    <a:lvl9pPr marL="3657600" algn="l" defTabSz="914400" rtl="0" eaLnBrk="1" latinLnBrk="0" hangingPunct="1">
+      <a:defRPr kumimoji="1" sz="1200" kern="1200">
+        <a:solidFill>
+          <a:schemeClr val="tx1"/>
+        </a:solidFill>
+        <a:latin typeface="+mn-lt"/>
+        <a:ea typeface="+mn-ea"/>
+        <a:cs typeface="+mn-cs"/>
+      </a:defRPr>
+    </a:lvl9pPr>
+  </p:notesStyle>
+</p:notesMaster>
+</file>
+
+<file path=ppt/notesSlides/notesSlide1.xml><?xml version="1.0" encoding="utf-8"?>
+<p:notes xmlns:a="http://schemas.openxmlformats.org/drawingml/2006/main" xmlns:r="http://schemas.openxmlformats.org/officeDocument/2006/relationships" xmlns:p="http://schemas.openxmlformats.org/presentationml/2006/main">
+  <p:cSld>
+    <p:spTree>
+      <p:nvGrpSpPr>
+        <p:cNvPr id="1" name=""/>
+        <p:cNvGrpSpPr/>
+        <p:nvPr/>
+      </p:nvGrpSpPr>
+      <p:grpSpPr>
+        <a:xfrm>
+          <a:off x="0" y="0"/>
+          <a:ext cx="0" cy="0"/>
+          <a:chOff x="0" y="0"/>
+          <a:chExt cx="0" cy="0"/>
+        </a:xfrm>
+      </p:grpSpPr>
+      <p:sp>
+        <p:nvSpPr>
+          <p:cNvPr id="2" name="スライド イメージ プレースホルダー 1"/>
+          <p:cNvSpPr>
+            <a:spLocks noGrp="1" noRot="1" noChangeAspect="1"/>
+          </p:cNvSpPr>
+          <p:nvPr>
+            <p:ph type="sldImg"/>
+          </p:nvPr>
+        </p:nvSpPr>
+        <p:spPr/>
+      </p:sp>
+      <p:sp>
+        <p:nvSpPr>
+          <p:cNvPr id="3" name="ノート プレースホルダー 2"/>
+          <p:cNvSpPr>
+            <a:spLocks noGrp="1"/>
+          </p:cNvSpPr>
+          <p:nvPr>
+            <p:ph type="body" idx="1"/>
+          </p:nvPr>
+        </p:nvSpPr>
+        <p:spPr/>
+        <p:txBody>
+          <a:bodyPr/>
+          <a:lstStyle/>
+          <a:p>
+            <a:r>
+              <a:rPr kumimoji="1" lang="ja-JP" altLang="en-US" sz="1200" b="0" i="0" kern="1200">
+                <a:solidFill>
+                  <a:schemeClr val="tx1"/>
+                </a:solidFill>
+                <a:effectLst/>
+                <a:latin typeface="+mn-lt"/>
+                <a:ea typeface="+mn-ea"/>
+                <a:cs typeface="+mn-cs"/>
+              </a:rPr>
+              <a:t>背景：自動運転車が個々に最短経路を選択すると，デッドロックや渋滞が生じる可能性がある（</a:t>
+            </a:r>
+            <a:r>
+              <a:rPr kumimoji="1" lang="en-US" altLang="ja-JP" sz="1200" b="0" i="0" kern="1200" dirty="0">
+                <a:solidFill>
+                  <a:schemeClr val="tx1"/>
+                </a:solidFill>
+                <a:effectLst/>
+                <a:latin typeface="+mn-lt"/>
+                <a:ea typeface="+mn-ea"/>
+                <a:cs typeface="+mn-cs"/>
+              </a:rPr>
+              <a:t>1</a:t>
+            </a:r>
+            <a:r>
+              <a:rPr kumimoji="1" lang="ja-JP" altLang="en-US" sz="1200" b="0" i="0" kern="1200">
+                <a:solidFill>
+                  <a:schemeClr val="tx1"/>
+                </a:solidFill>
+                <a:effectLst/>
+                <a:latin typeface="+mn-lt"/>
+                <a:ea typeface="+mn-ea"/>
+                <a:cs typeface="+mn-cs"/>
+              </a:rPr>
+              <a:t>分スライドだと省略？）</a:t>
+            </a:r>
+            <a:br>
+              <a:rPr lang="ja-JP" altLang="en-US"/>
+            </a:br>
+            <a:r>
+              <a:rPr kumimoji="1" lang="ja-JP" altLang="en-US" sz="1200" b="0" i="0" kern="1200">
+                <a:solidFill>
+                  <a:schemeClr val="tx1"/>
+                </a:solidFill>
+                <a:effectLst/>
+                <a:latin typeface="+mn-lt"/>
+                <a:ea typeface="+mn-ea"/>
+                <a:cs typeface="+mn-cs"/>
+              </a:rPr>
+              <a:t>目的：</a:t>
+            </a:r>
+            <a:r>
+              <a:rPr kumimoji="1" lang="en" altLang="ja-JP" sz="1200" b="0" i="0" kern="1200" dirty="0">
+                <a:solidFill>
+                  <a:schemeClr val="tx1"/>
+                </a:solidFill>
+                <a:effectLst/>
+                <a:latin typeface="+mn-lt"/>
+                <a:ea typeface="+mn-ea"/>
+                <a:cs typeface="+mn-cs"/>
+              </a:rPr>
+              <a:t>UPPAAL</a:t>
+            </a:r>
+            <a:r>
+              <a:rPr kumimoji="1" lang="ja-JP" altLang="en-US" sz="1200" b="0" i="0" kern="1200">
+                <a:solidFill>
+                  <a:schemeClr val="tx1"/>
+                </a:solidFill>
+                <a:effectLst/>
+                <a:latin typeface="+mn-lt"/>
+                <a:ea typeface="+mn-ea"/>
+                <a:cs typeface="+mn-cs"/>
+              </a:rPr>
+              <a:t>で，アルゴリズムをモデル化し，性質を検証する</a:t>
+            </a:r>
+            <a:br>
+              <a:rPr lang="ja-JP" altLang="en-US"/>
+            </a:br>
+            <a:r>
+              <a:rPr kumimoji="1" lang="ja-JP" altLang="en-US" sz="1200" b="0" i="0" kern="1200">
+                <a:solidFill>
+                  <a:schemeClr val="tx1"/>
+                </a:solidFill>
+                <a:effectLst/>
+                <a:latin typeface="+mn-lt"/>
+                <a:ea typeface="+mn-ea"/>
+                <a:cs typeface="+mn-cs"/>
+              </a:rPr>
+              <a:t>手法：</a:t>
+            </a:r>
+            <a:r>
+              <a:rPr kumimoji="1" lang="en" altLang="ja-JP" sz="1200" b="0" i="0" kern="1200" dirty="0">
+                <a:solidFill>
+                  <a:schemeClr val="tx1"/>
+                </a:solidFill>
+                <a:effectLst/>
+                <a:latin typeface="+mn-lt"/>
+                <a:ea typeface="+mn-ea"/>
+                <a:cs typeface="+mn-cs"/>
+              </a:rPr>
+              <a:t>UPPAAL</a:t>
+            </a:r>
+            <a:r>
+              <a:rPr kumimoji="1" lang="ja-JP" altLang="en-US" sz="1200" b="0" i="0" kern="1200">
+                <a:solidFill>
+                  <a:schemeClr val="tx1"/>
+                </a:solidFill>
+                <a:effectLst/>
+                <a:latin typeface="+mn-lt"/>
+                <a:ea typeface="+mn-ea"/>
+                <a:cs typeface="+mn-cs"/>
+              </a:rPr>
+              <a:t>では，時間オートマトンによるモデル化，シミュレーション実行，モデル検査による形式的検証が可能</a:t>
+            </a:r>
+            <a:br>
+              <a:rPr lang="ja-JP" altLang="en-US"/>
+            </a:br>
+            <a:r>
+              <a:rPr kumimoji="1" lang="ja-JP" altLang="en-US" sz="1200" b="0" i="0" kern="1200">
+                <a:solidFill>
+                  <a:schemeClr val="tx1"/>
+                </a:solidFill>
+                <a:effectLst/>
+                <a:latin typeface="+mn-lt"/>
+                <a:ea typeface="+mn-ea"/>
+                <a:cs typeface="+mn-cs"/>
+              </a:rPr>
+              <a:t>結果：特定の方向の車両が前方車に追従して交差点を通過可能なアルゴリズムをモデル化した．安全性（衝突回避）と効率性（従来よりも短い時間での通過）を示した．この順番だと，（</a:t>
+            </a:r>
+            <a:r>
+              <a:rPr kumimoji="1" lang="en" altLang="ja-JP" sz="1200" b="0" i="0" kern="1200" dirty="0">
+                <a:solidFill>
+                  <a:schemeClr val="tx1"/>
+                </a:solidFill>
+                <a:effectLst/>
+                <a:latin typeface="+mn-lt"/>
+                <a:ea typeface="+mn-ea"/>
+                <a:cs typeface="+mn-cs"/>
+              </a:rPr>
+              <a:t>UPPAAL</a:t>
+            </a:r>
+            <a:r>
+              <a:rPr kumimoji="1" lang="ja-JP" altLang="en-US" sz="1200" b="0" i="0" kern="1200">
+                <a:solidFill>
+                  <a:schemeClr val="tx1"/>
+                </a:solidFill>
+                <a:effectLst/>
+                <a:latin typeface="+mn-lt"/>
+                <a:ea typeface="+mn-ea"/>
+                <a:cs typeface="+mn-cs"/>
+              </a:rPr>
+              <a:t>の説明的な）時間オートマトンモデル，検証，を話したあとに，追従可能なアルゴリズム（交差点の絵）という説明の流れになるので，図の配置も説明しやすいようにした方が良い</a:t>
+            </a:r>
+            <a:endParaRPr kumimoji="1" lang="ja-JP" altLang="en-US"/>
+          </a:p>
+        </p:txBody>
+      </p:sp>
+      <p:sp>
+        <p:nvSpPr>
+          <p:cNvPr id="4" name="スライド番号プレースホルダー 3"/>
+          <p:cNvSpPr>
+            <a:spLocks noGrp="1"/>
+          </p:cNvSpPr>
+          <p:nvPr>
+            <p:ph type="sldNum" sz="quarter" idx="5"/>
+          </p:nvPr>
+        </p:nvSpPr>
+        <p:spPr/>
+        <p:txBody>
+          <a:bodyPr/>
+          <a:lstStyle/>
+          <a:p>
+            <a:fld id="{19952A6D-10B8-7843-B4AA-EA12A9EE3F88}" type="slidenum">
+              <a:rPr kumimoji="1" lang="ja-JP" altLang="en-US" smtClean="0"/>
+              <a:t>1</a:t>
+            </a:fld>
+            <a:endParaRPr kumimoji="1" lang="ja-JP" altLang="en-US"/>
+          </a:p>
+        </p:txBody>
+      </p:sp>
+    </p:spTree>
+    <p:extLst>
+      <p:ext uri="{BB962C8B-B14F-4D97-AF65-F5344CB8AC3E}">
+        <p14:creationId xmlns:p14="http://schemas.microsoft.com/office/powerpoint/2010/main" val="886986658"/>
+      </p:ext>
+    </p:extLst>
+  </p:cSld>
+  <p:clrMapOvr>
+    <a:masterClrMapping/>
+  </p:clrMapOvr>
+</p:notes>
+</file>
+
 <file path=ppt/slideLayouts/slideLayout1.xml><?xml version="1.0" encoding="utf-8"?>
 <p:sldLayout xmlns:a="http://schemas.openxmlformats.org/drawingml/2006/main" xmlns:r="http://schemas.openxmlformats.org/officeDocument/2006/relationships" xmlns:p="http://schemas.openxmlformats.org/presentationml/2006/main" type="title" preserve="1">
   <p:cSld name="タイトル スライド">
@@ -254,7 +850,7 @@
           <a:p>
             <a:fld id="{359F4C49-761D-CD4D-B697-D7C8C818216D}" type="datetimeFigureOut">
               <a:rPr kumimoji="1" lang="ja-JP" altLang="en-US" smtClean="0"/>
-              <a:t>2019/11/6</a:t>
+              <a:t>2019/11/7</a:t>
             </a:fld>
             <a:endParaRPr kumimoji="1" lang="ja-JP" altLang="en-US"/>
           </a:p>
@@ -432,7 +1028,7 @@
           <a:p>
             <a:fld id="{359F4C49-761D-CD4D-B697-D7C8C818216D}" type="datetimeFigureOut">
               <a:rPr kumimoji="1" lang="ja-JP" altLang="en-US" smtClean="0"/>
-              <a:t>2019/11/6</a:t>
+              <a:t>2019/11/7</a:t>
             </a:fld>
             <a:endParaRPr kumimoji="1" lang="ja-JP" altLang="en-US"/>
           </a:p>
@@ -620,7 +1216,7 @@
           <a:p>
             <a:fld id="{359F4C49-761D-CD4D-B697-D7C8C818216D}" type="datetimeFigureOut">
               <a:rPr kumimoji="1" lang="ja-JP" altLang="en-US" smtClean="0"/>
-              <a:t>2019/11/6</a:t>
+              <a:t>2019/11/7</a:t>
             </a:fld>
             <a:endParaRPr kumimoji="1" lang="ja-JP" altLang="en-US"/>
           </a:p>
@@ -798,7 +1394,7 @@
           <a:p>
             <a:fld id="{359F4C49-761D-CD4D-B697-D7C8C818216D}" type="datetimeFigureOut">
               <a:rPr kumimoji="1" lang="ja-JP" altLang="en-US" smtClean="0"/>
-              <a:t>2019/11/6</a:t>
+              <a:t>2019/11/7</a:t>
             </a:fld>
             <a:endParaRPr kumimoji="1" lang="ja-JP" altLang="en-US"/>
           </a:p>
@@ -1079,7 +1675,7 @@
           <a:p>
             <a:fld id="{359F4C49-761D-CD4D-B697-D7C8C818216D}" type="datetimeFigureOut">
               <a:rPr kumimoji="1" lang="ja-JP" altLang="en-US" smtClean="0"/>
-              <a:t>2019/11/6</a:t>
+              <a:t>2019/11/7</a:t>
             </a:fld>
             <a:endParaRPr kumimoji="1" lang="ja-JP" altLang="en-US"/>
           </a:p>
@@ -1327,7 +1923,7 @@
           <a:p>
             <a:fld id="{359F4C49-761D-CD4D-B697-D7C8C818216D}" type="datetimeFigureOut">
               <a:rPr kumimoji="1" lang="ja-JP" altLang="en-US" smtClean="0"/>
-              <a:t>2019/11/6</a:t>
+              <a:t>2019/11/7</a:t>
             </a:fld>
             <a:endParaRPr kumimoji="1" lang="ja-JP" altLang="en-US"/>
           </a:p>
@@ -1784,7 +2380,7 @@
           <a:p>
             <a:fld id="{359F4C49-761D-CD4D-B697-D7C8C818216D}" type="datetimeFigureOut">
               <a:rPr kumimoji="1" lang="ja-JP" altLang="en-US" smtClean="0"/>
-              <a:t>2019/11/6</a:t>
+              <a:t>2019/11/7</a:t>
             </a:fld>
             <a:endParaRPr kumimoji="1" lang="ja-JP" altLang="en-US"/>
           </a:p>
@@ -1902,7 +2498,7 @@
           <a:p>
             <a:fld id="{359F4C49-761D-CD4D-B697-D7C8C818216D}" type="datetimeFigureOut">
               <a:rPr kumimoji="1" lang="ja-JP" altLang="en-US" smtClean="0"/>
-              <a:t>2019/11/6</a:t>
+              <a:t>2019/11/7</a:t>
             </a:fld>
             <a:endParaRPr kumimoji="1" lang="ja-JP" altLang="en-US"/>
           </a:p>
@@ -1997,7 +2593,7 @@
           <a:p>
             <a:fld id="{359F4C49-761D-CD4D-B697-D7C8C818216D}" type="datetimeFigureOut">
               <a:rPr kumimoji="1" lang="ja-JP" altLang="en-US" smtClean="0"/>
-              <a:t>2019/11/6</a:t>
+              <a:t>2019/11/7</a:t>
             </a:fld>
             <a:endParaRPr kumimoji="1" lang="ja-JP" altLang="en-US"/>
           </a:p>
@@ -2319,7 +2915,7 @@
           <a:p>
             <a:fld id="{359F4C49-761D-CD4D-B697-D7C8C818216D}" type="datetimeFigureOut">
               <a:rPr kumimoji="1" lang="ja-JP" altLang="en-US" smtClean="0"/>
-              <a:t>2019/11/6</a:t>
+              <a:t>2019/11/7</a:t>
             </a:fld>
             <a:endParaRPr kumimoji="1" lang="ja-JP" altLang="en-US"/>
           </a:p>
@@ -2613,7 +3209,7 @@
           <a:p>
             <a:fld id="{359F4C49-761D-CD4D-B697-D7C8C818216D}" type="datetimeFigureOut">
               <a:rPr kumimoji="1" lang="ja-JP" altLang="en-US" smtClean="0"/>
-              <a:t>2019/11/6</a:t>
+              <a:t>2019/11/7</a:t>
             </a:fld>
             <a:endParaRPr kumimoji="1" lang="ja-JP" altLang="en-US"/>
           </a:p>
@@ -2834,7 +3430,7 @@
           <a:p>
             <a:fld id="{359F4C49-761D-CD4D-B697-D7C8C818216D}" type="datetimeFigureOut">
               <a:rPr kumimoji="1" lang="ja-JP" altLang="en-US" smtClean="0"/>
-              <a:t>2019/11/6</a:t>
+              <a:t>2019/11/7</a:t>
             </a:fld>
             <a:endParaRPr kumimoji="1" lang="ja-JP" altLang="en-US"/>
           </a:p>
@@ -3254,7 +3850,7 @@
           <p:nvPr/>
         </p:nvPicPr>
         <p:blipFill rotWithShape="1">
-          <a:blip r:embed="rId2"/>
+          <a:blip r:embed="rId3"/>
           <a:srcRect l="13353" r="11721" b="4413"/>
           <a:stretch/>
         </p:blipFill>
@@ -3342,72 +3938,6 @@
             <a:extLst>
               <a:ext uri="{FF2B5EF4-FFF2-40B4-BE49-F238E27FC236}">
                 <a16:creationId xmlns:a16="http://schemas.microsoft.com/office/drawing/2014/main" id="{AE812E4E-47FC-4B4C-9420-42FF08442690}"/>
-              </a:ext>
-            </a:extLst>
-          </p:cNvPr>
-          <p:cNvPicPr>
-            <a:picLocks noChangeAspect="1"/>
-          </p:cNvPicPr>
-          <p:nvPr/>
-        </p:nvPicPr>
-        <p:blipFill>
-          <a:blip r:embed="rId3"/>
-          <a:stretch>
-            <a:fillRect/>
-          </a:stretch>
-        </p:blipFill>
-        <p:spPr>
-          <a:xfrm>
-            <a:off x="3196678" y="3002393"/>
-            <a:ext cx="5725649" cy="774820"/>
-          </a:xfrm>
-          <a:prstGeom prst="rect">
-            <a:avLst/>
-          </a:prstGeom>
-        </p:spPr>
-      </p:pic>
-      <p:sp>
-        <p:nvSpPr>
-          <p:cNvPr id="2" name="テキスト ボックス 1">
-            <a:extLst>
-              <a:ext uri="{FF2B5EF4-FFF2-40B4-BE49-F238E27FC236}">
-                <a16:creationId xmlns:a16="http://schemas.microsoft.com/office/drawing/2014/main" id="{AA233ADA-A0BB-524C-94B4-95C64EEF6A74}"/>
-              </a:ext>
-            </a:extLst>
-          </p:cNvPr>
-          <p:cNvSpPr txBox="1"/>
-          <p:nvPr/>
-        </p:nvSpPr>
-        <p:spPr>
-          <a:xfrm>
-            <a:off x="104173" y="175491"/>
-            <a:ext cx="995422" cy="369332"/>
-          </a:xfrm>
-          <a:prstGeom prst="rect">
-            <a:avLst/>
-          </a:prstGeom>
-          <a:noFill/>
-        </p:spPr>
-        <p:txBody>
-          <a:bodyPr wrap="square" rtlCol="0">
-            <a:spAutoFit/>
-          </a:bodyPr>
-          <a:lstStyle/>
-          <a:p>
-            <a:pPr algn="ctr"/>
-            <a:r>
-              <a:rPr kumimoji="1" lang="en-US" altLang="ja-JP" dirty="0"/>
-              <a:t>SS11-10</a:t>
-            </a:r>
-          </a:p>
-        </p:txBody>
-      </p:sp>
-      <p:pic>
-        <p:nvPicPr>
-          <p:cNvPr id="8" name="図 7">
-            <a:extLst>
-              <a:ext uri="{FF2B5EF4-FFF2-40B4-BE49-F238E27FC236}">
-                <a16:creationId xmlns:a16="http://schemas.microsoft.com/office/drawing/2014/main" id="{C3E8E4AB-AAC7-9A4B-AF6E-BC0BA4623137}"/>
               </a:ext>
             </a:extLst>
           </p:cNvPr>
@@ -3424,6 +3954,72 @@
         </p:blipFill>
         <p:spPr>
           <a:xfrm>
+            <a:off x="3196678" y="3002393"/>
+            <a:ext cx="5725649" cy="774820"/>
+          </a:xfrm>
+          <a:prstGeom prst="rect">
+            <a:avLst/>
+          </a:prstGeom>
+        </p:spPr>
+      </p:pic>
+      <p:sp>
+        <p:nvSpPr>
+          <p:cNvPr id="2" name="テキスト ボックス 1">
+            <a:extLst>
+              <a:ext uri="{FF2B5EF4-FFF2-40B4-BE49-F238E27FC236}">
+                <a16:creationId xmlns:a16="http://schemas.microsoft.com/office/drawing/2014/main" id="{AA233ADA-A0BB-524C-94B4-95C64EEF6A74}"/>
+              </a:ext>
+            </a:extLst>
+          </p:cNvPr>
+          <p:cNvSpPr txBox="1"/>
+          <p:nvPr/>
+        </p:nvSpPr>
+        <p:spPr>
+          <a:xfrm>
+            <a:off x="104173" y="175491"/>
+            <a:ext cx="995422" cy="369332"/>
+          </a:xfrm>
+          <a:prstGeom prst="rect">
+            <a:avLst/>
+          </a:prstGeom>
+          <a:noFill/>
+        </p:spPr>
+        <p:txBody>
+          <a:bodyPr wrap="square" rtlCol="0">
+            <a:spAutoFit/>
+          </a:bodyPr>
+          <a:lstStyle/>
+          <a:p>
+            <a:pPr algn="ctr"/>
+            <a:r>
+              <a:rPr kumimoji="1" lang="en-US" altLang="ja-JP" dirty="0"/>
+              <a:t>SS11-10</a:t>
+            </a:r>
+          </a:p>
+        </p:txBody>
+      </p:sp>
+      <p:pic>
+        <p:nvPicPr>
+          <p:cNvPr id="8" name="図 7">
+            <a:extLst>
+              <a:ext uri="{FF2B5EF4-FFF2-40B4-BE49-F238E27FC236}">
+                <a16:creationId xmlns:a16="http://schemas.microsoft.com/office/drawing/2014/main" id="{C3E8E4AB-AAC7-9A4B-AF6E-BC0BA4623137}"/>
+              </a:ext>
+            </a:extLst>
+          </p:cNvPr>
+          <p:cNvPicPr>
+            <a:picLocks noChangeAspect="1"/>
+          </p:cNvPicPr>
+          <p:nvPr/>
+        </p:nvPicPr>
+        <p:blipFill>
+          <a:blip r:embed="rId5"/>
+          <a:stretch>
+            <a:fillRect/>
+          </a:stretch>
+        </p:blipFill>
+        <p:spPr>
+          <a:xfrm>
             <a:off x="3196677" y="3942269"/>
             <a:ext cx="5725649" cy="2527978"/>
           </a:xfrm>
@@ -3446,7 +4042,7 @@
         </p:nvSpPr>
         <p:spPr>
           <a:xfrm>
-            <a:off x="8228303" y="6971847"/>
+            <a:off x="0" y="7314404"/>
             <a:ext cx="8910519" cy="1754326"/>
           </a:xfrm>
           <a:prstGeom prst="rect">
@@ -3884,4 +4480,299 @@
     </a:ext>
   </a:extLst>
 </a:theme>
+</file>
+
+<file path=ppt/theme/theme2.xml><?xml version="1.0" encoding="utf-8"?>
+<a:theme xmlns:a="http://schemas.openxmlformats.org/drawingml/2006/main" name="Office テーマ">
+  <a:themeElements>
+    <a:clrScheme name="Office">
+      <a:dk1>
+        <a:sysClr val="windowText" lastClr="000000"/>
+      </a:dk1>
+      <a:lt1>
+        <a:sysClr val="window" lastClr="FFFFFF"/>
+      </a:lt1>
+      <a:dk2>
+        <a:srgbClr val="44546A"/>
+      </a:dk2>
+      <a:lt2>
+        <a:srgbClr val="E7E6E6"/>
+      </a:lt2>
+      <a:accent1>
+        <a:srgbClr val="4472C4"/>
+      </a:accent1>
+      <a:accent2>
+        <a:srgbClr val="ED7D31"/>
+      </a:accent2>
+      <a:accent3>
+        <a:srgbClr val="A5A5A5"/>
+      </a:accent3>
+      <a:accent4>
+        <a:srgbClr val="FFC000"/>
+      </a:accent4>
+      <a:accent5>
+        <a:srgbClr val="5B9BD5"/>
+      </a:accent5>
+      <a:accent6>
+        <a:srgbClr val="70AD47"/>
+      </a:accent6>
+      <a:hlink>
+        <a:srgbClr val="0563C1"/>
+      </a:hlink>
+      <a:folHlink>
+        <a:srgbClr val="954F72"/>
+      </a:folHlink>
+    </a:clrScheme>
+    <a:fontScheme name="Office">
+      <a:majorFont>
+        <a:latin typeface="游ゴシック Light" panose="020F0302020204030204"/>
+        <a:ea typeface=""/>
+        <a:cs typeface=""/>
+        <a:font script="Jpan" typeface="游ゴシック Light"/>
+        <a:font script="Hang" typeface="맑은 고딕"/>
+        <a:font script="Hans" typeface="等线 Light"/>
+        <a:font script="Hant" typeface="新細明體"/>
+        <a:font script="Arab" typeface="Times New Roman"/>
+        <a:font script="Hebr" typeface="Times New Roman"/>
+        <a:font script="Thai" typeface="Angsana New"/>
+        <a:font script="Ethi" typeface="Nyala"/>
+        <a:font script="Beng" typeface="Vrinda"/>
+        <a:font script="Gujr" typeface="Shruti"/>
+        <a:font script="Khmr" typeface="MoolBoran"/>
+        <a:font script="Knda" typeface="Tunga"/>
+        <a:font script="Guru" typeface="Raavi"/>
+        <a:font script="Cans" typeface="Euphemia"/>
+        <a:font script="Cher" typeface="Plantagenet Cherokee"/>
+        <a:font script="Yiii" typeface="Microsoft Yi Baiti"/>
+        <a:font script="Tibt" typeface="Microsoft Himalaya"/>
+        <a:font script="Thaa" typeface="MV Boli"/>
+        <a:font script="Deva" typeface="Mangal"/>
+        <a:font script="Telu" typeface="Gautami"/>
+        <a:font script="Taml" typeface="Latha"/>
+        <a:font script="Syrc" typeface="Estrangelo Edessa"/>
+        <a:font script="Orya" typeface="Kalinga"/>
+        <a:font script="Mlym" typeface="Kartika"/>
+        <a:font script="Laoo" typeface="DokChampa"/>
+        <a:font script="Sinh" typeface="Iskoola Pota"/>
+        <a:font script="Mong" typeface="Mongolian Baiti"/>
+        <a:font script="Viet" typeface="Times New Roman"/>
+        <a:font script="Uigh" typeface="Microsoft Uighur"/>
+        <a:font script="Geor" typeface="Sylfaen"/>
+        <a:font script="Armn" typeface="Arial"/>
+        <a:font script="Bugi" typeface="Leelawadee UI"/>
+        <a:font script="Bopo" typeface="Microsoft JhengHei"/>
+        <a:font script="Java" typeface="Javanese Text"/>
+        <a:font script="Lisu" typeface="Segoe UI"/>
+        <a:font script="Mymr" typeface="Myanmar Text"/>
+        <a:font script="Nkoo" typeface="Ebrima"/>
+        <a:font script="Olck" typeface="Nirmala UI"/>
+        <a:font script="Osma" typeface="Ebrima"/>
+        <a:font script="Phag" typeface="Phagspa"/>
+        <a:font script="Syrn" typeface="Estrangelo Edessa"/>
+        <a:font script="Syrj" typeface="Estrangelo Edessa"/>
+        <a:font script="Syre" typeface="Estrangelo Edessa"/>
+        <a:font script="Sora" typeface="Nirmala UI"/>
+        <a:font script="Tale" typeface="Microsoft Tai Le"/>
+        <a:font script="Talu" typeface="Microsoft New Tai Lue"/>
+        <a:font script="Tfng" typeface="Ebrima"/>
+      </a:majorFont>
+      <a:minorFont>
+        <a:latin typeface="游ゴシック" panose="020F0502020204030204"/>
+        <a:ea typeface=""/>
+        <a:cs typeface=""/>
+        <a:font script="Jpan" typeface="游ゴシック"/>
+        <a:font script="Hang" typeface="맑은 고딕"/>
+        <a:font script="Hans" typeface="等线"/>
+        <a:font script="Hant" typeface="新細明體"/>
+        <a:font script="Arab" typeface="Arial"/>
+        <a:font script="Hebr" typeface="Arial"/>
+        <a:font script="Thai" typeface="Cordia New"/>
+        <a:font script="Ethi" typeface="Nyala"/>
+        <a:font script="Beng" typeface="Vrinda"/>
+        <a:font script="Gujr" typeface="Shruti"/>
+        <a:font script="Khmr" typeface="DaunPenh"/>
+        <a:font script="Knda" typeface="Tunga"/>
+        <a:font script="Guru" typeface="Raavi"/>
+        <a:font script="Cans" typeface="Euphemia"/>
+        <a:font script="Cher" typeface="Plantagenet Cherokee"/>
+        <a:font script="Yiii" typeface="Microsoft Yi Baiti"/>
+        <a:font script="Tibt" typeface="Microsoft Himalaya"/>
+        <a:font script="Thaa" typeface="MV Boli"/>
+        <a:font script="Deva" typeface="Mangal"/>
+        <a:font script="Telu" typeface="Gautami"/>
+        <a:font script="Taml" typeface="Latha"/>
+        <a:font script="Syrc" typeface="Estrangelo Edessa"/>
+        <a:font script="Orya" typeface="Kalinga"/>
+        <a:font script="Mlym" typeface="Kartika"/>
+        <a:font script="Laoo" typeface="DokChampa"/>
+        <a:font script="Sinh" typeface="Iskoola Pota"/>
+        <a:font script="Mong" typeface="Mongolian Baiti"/>
+        <a:font script="Viet" typeface="Arial"/>
+        <a:font script="Uigh" typeface="Microsoft Uighur"/>
+        <a:font script="Geor" typeface="Sylfaen"/>
+        <a:font script="Armn" typeface="Arial"/>
+        <a:font script="Bugi" typeface="Leelawadee UI"/>
+        <a:font script="Bopo" typeface="Microsoft JhengHei"/>
+        <a:font script="Java" typeface="Javanese Text"/>
+        <a:font script="Lisu" typeface="Segoe UI"/>
+        <a:font script="Mymr" typeface="Myanmar Text"/>
+        <a:font script="Nkoo" typeface="Ebrima"/>
+        <a:font script="Olck" typeface="Nirmala UI"/>
+        <a:font script="Osma" typeface="Ebrima"/>
+        <a:font script="Phag" typeface="Phagspa"/>
+        <a:font script="Syrn" typeface="Estrangelo Edessa"/>
+        <a:font script="Syrj" typeface="Estrangelo Edessa"/>
+        <a:font script="Syre" typeface="Estrangelo Edessa"/>
+        <a:font script="Sora" typeface="Nirmala UI"/>
+        <a:font script="Tale" typeface="Microsoft Tai Le"/>
+        <a:font script="Talu" typeface="Microsoft New Tai Lue"/>
+        <a:font script="Tfng" typeface="Ebrima"/>
+      </a:minorFont>
+    </a:fontScheme>
+    <a:fmtScheme name="Office">
+      <a:fillStyleLst>
+        <a:solidFill>
+          <a:schemeClr val="phClr"/>
+        </a:solidFill>
+        <a:gradFill rotWithShape="1">
+          <a:gsLst>
+            <a:gs pos="0">
+              <a:schemeClr val="phClr">
+                <a:lumMod val="110000"/>
+                <a:satMod val="105000"/>
+                <a:tint val="67000"/>
+              </a:schemeClr>
+            </a:gs>
+            <a:gs pos="50000">
+              <a:schemeClr val="phClr">
+                <a:lumMod val="105000"/>
+                <a:satMod val="103000"/>
+                <a:tint val="73000"/>
+              </a:schemeClr>
+            </a:gs>
+            <a:gs pos="100000">
+              <a:schemeClr val="phClr">
+                <a:lumMod val="105000"/>
+                <a:satMod val="109000"/>
+                <a:tint val="81000"/>
+              </a:schemeClr>
+            </a:gs>
+          </a:gsLst>
+          <a:lin ang="5400000" scaled="0"/>
+        </a:gradFill>
+        <a:gradFill rotWithShape="1">
+          <a:gsLst>
+            <a:gs pos="0">
+              <a:schemeClr val="phClr">
+                <a:satMod val="103000"/>
+                <a:lumMod val="102000"/>
+                <a:tint val="94000"/>
+              </a:schemeClr>
+            </a:gs>
+            <a:gs pos="50000">
+              <a:schemeClr val="phClr">
+                <a:satMod val="110000"/>
+                <a:lumMod val="100000"/>
+                <a:shade val="100000"/>
+              </a:schemeClr>
+            </a:gs>
+            <a:gs pos="100000">
+              <a:schemeClr val="phClr">
+                <a:lumMod val="99000"/>
+                <a:satMod val="120000"/>
+                <a:shade val="78000"/>
+              </a:schemeClr>
+            </a:gs>
+          </a:gsLst>
+          <a:lin ang="5400000" scaled="0"/>
+        </a:gradFill>
+      </a:fillStyleLst>
+      <a:lnStyleLst>
+        <a:ln w="6350" cap="flat" cmpd="sng" algn="ctr">
+          <a:solidFill>
+            <a:schemeClr val="phClr"/>
+          </a:solidFill>
+          <a:prstDash val="solid"/>
+          <a:miter lim="800000"/>
+        </a:ln>
+        <a:ln w="12700" cap="flat" cmpd="sng" algn="ctr">
+          <a:solidFill>
+            <a:schemeClr val="phClr"/>
+          </a:solidFill>
+          <a:prstDash val="solid"/>
+          <a:miter lim="800000"/>
+        </a:ln>
+        <a:ln w="19050" cap="flat" cmpd="sng" algn="ctr">
+          <a:solidFill>
+            <a:schemeClr val="phClr"/>
+          </a:solidFill>
+          <a:prstDash val="solid"/>
+          <a:miter lim="800000"/>
+        </a:ln>
+      </a:lnStyleLst>
+      <a:effectStyleLst>
+        <a:effectStyle>
+          <a:effectLst/>
+        </a:effectStyle>
+        <a:effectStyle>
+          <a:effectLst/>
+        </a:effectStyle>
+        <a:effectStyle>
+          <a:effectLst>
+            <a:outerShdw blurRad="57150" dist="19050" dir="5400000" algn="ctr" rotWithShape="0">
+              <a:srgbClr val="000000">
+                <a:alpha val="63000"/>
+              </a:srgbClr>
+            </a:outerShdw>
+          </a:effectLst>
+        </a:effectStyle>
+      </a:effectStyleLst>
+      <a:bgFillStyleLst>
+        <a:solidFill>
+          <a:schemeClr val="phClr"/>
+        </a:solidFill>
+        <a:solidFill>
+          <a:schemeClr val="phClr">
+            <a:tint val="95000"/>
+            <a:satMod val="170000"/>
+          </a:schemeClr>
+        </a:solidFill>
+        <a:gradFill rotWithShape="1">
+          <a:gsLst>
+            <a:gs pos="0">
+              <a:schemeClr val="phClr">
+                <a:tint val="93000"/>
+                <a:satMod val="150000"/>
+                <a:shade val="98000"/>
+                <a:lumMod val="102000"/>
+              </a:schemeClr>
+            </a:gs>
+            <a:gs pos="50000">
+              <a:schemeClr val="phClr">
+                <a:tint val="98000"/>
+                <a:satMod val="130000"/>
+                <a:shade val="90000"/>
+                <a:lumMod val="103000"/>
+              </a:schemeClr>
+            </a:gs>
+            <a:gs pos="100000">
+              <a:schemeClr val="phClr">
+                <a:shade val="63000"/>
+                <a:satMod val="120000"/>
+              </a:schemeClr>
+            </a:gs>
+          </a:gsLst>
+          <a:lin ang="5400000" scaled="0"/>
+        </a:gradFill>
+      </a:bgFillStyleLst>
+    </a:fmtScheme>
+  </a:themeElements>
+  <a:objectDefaults/>
+  <a:extraClrSchemeLst/>
+  <a:extLst>
+    <a:ext uri="{05A4C25C-085E-4340-85A3-A5531E510DB2}">
+      <thm15:themeFamily xmlns:thm15="http://schemas.microsoft.com/office/thememl/2012/main" name="Office Theme" id="{62F939B6-93AF-4DB8-9C6B-D6C7DFDC589F}" vid="{4A3C46E8-61CC-4603-A589-7422A47A8E4A}"/>
+    </a:ext>
+  </a:extLst>
+</a:theme>
 </file>
--- a/ssi19shortP.pptx
+++ b/ssi19shortP.pptx
@@ -208,7 +208,7 @@
           <a:p>
             <a:fld id="{E2030BF8-1D35-9448-A9BC-1EFF7F5FE641}" type="datetimeFigureOut">
               <a:rPr kumimoji="1" lang="ja-JP" altLang="en-US" smtClean="0"/>
-              <a:t>2019/11/7</a:t>
+              <a:t>2019/11/12</a:t>
             </a:fld>
             <a:endParaRPr kumimoji="1" lang="ja-JP" altLang="en-US"/>
           </a:p>
@@ -679,7 +679,92 @@
               </a:rPr>
               <a:t>の説明的な）時間オートマトンモデル，検証，を話したあとに，追従可能なアルゴリズム（交差点の絵）という説明の流れになるので，図の配置も説明しやすいようにした方が良い</a:t>
             </a:r>
-            <a:endParaRPr kumimoji="1" lang="ja-JP" altLang="en-US"/>
+            <a:endParaRPr kumimoji="1" lang="en-US" altLang="ja-JP" sz="1200" b="0" i="0" kern="1200" dirty="0">
+              <a:solidFill>
+                <a:schemeClr val="tx1"/>
+              </a:solidFill>
+              <a:effectLst/>
+              <a:latin typeface="+mn-lt"/>
+              <a:ea typeface="+mn-ea"/>
+              <a:cs typeface="+mn-cs"/>
+            </a:endParaRPr>
+          </a:p>
+          <a:p>
+            <a:endParaRPr kumimoji="1" lang="en-US" altLang="ja-JP" sz="1200" b="0" i="0" kern="1200" dirty="0">
+              <a:solidFill>
+                <a:schemeClr val="tx1"/>
+              </a:solidFill>
+              <a:effectLst/>
+              <a:latin typeface="+mn-lt"/>
+              <a:ea typeface="+mn-ea"/>
+              <a:cs typeface="+mn-cs"/>
+            </a:endParaRPr>
+          </a:p>
+          <a:p>
+            <a:r>
+              <a:rPr lang="ja-JP" altLang="en-US">
+                <a:latin typeface="Hiragino Sans W3" panose="020B0300000000000000" pitchFamily="34" charset="-128"/>
+                <a:ea typeface="Hiragino Sans W3" panose="020B0300000000000000" pitchFamily="34" charset="-128"/>
+              </a:rPr>
+              <a:t>本研究では時間制約の扱えるモデル検査ツール</a:t>
+            </a:r>
+            <a:r>
+              <a:rPr kumimoji="1" lang="en-US" altLang="ja-JP" dirty="0">
+                <a:latin typeface="Hiragino Sans W3" panose="020B0300000000000000" pitchFamily="34" charset="-128"/>
+                <a:ea typeface="Hiragino Sans W3" panose="020B0300000000000000" pitchFamily="34" charset="-128"/>
+              </a:rPr>
+              <a:t>UPPAAL</a:t>
+            </a:r>
+            <a:r>
+              <a:rPr kumimoji="1" lang="ja-JP" altLang="en-US">
+                <a:latin typeface="Hiragino Sans W3" panose="020B0300000000000000" pitchFamily="34" charset="-128"/>
+                <a:ea typeface="Hiragino Sans W3" panose="020B0300000000000000" pitchFamily="34" charset="-128"/>
+              </a:rPr>
+              <a:t>を採用した．</a:t>
+            </a:r>
+            <a:endParaRPr kumimoji="1" lang="en-US" altLang="ja-JP" dirty="0">
+              <a:latin typeface="Hiragino Sans W3" panose="020B0300000000000000" pitchFamily="34" charset="-128"/>
+              <a:ea typeface="Hiragino Sans W3" panose="020B0300000000000000" pitchFamily="34" charset="-128"/>
+            </a:endParaRPr>
+          </a:p>
+          <a:p>
+            <a:r>
+              <a:rPr lang="ja-JP" altLang="en-US">
+                <a:latin typeface="Hiragino Sans W3" panose="020B0300000000000000" pitchFamily="34" charset="-128"/>
+                <a:ea typeface="Hiragino Sans W3" panose="020B0300000000000000" pitchFamily="34" charset="-128"/>
+              </a:rPr>
+              <a:t>交差点通過の制御アルゴリズムを時間オートマトンとして記述し，</a:t>
+            </a:r>
+            <a:r>
+              <a:rPr lang="en-US" altLang="ja-JP" dirty="0">
+                <a:latin typeface="Hiragino Sans W3" panose="020B0300000000000000" pitchFamily="34" charset="-128"/>
+                <a:ea typeface="Hiragino Sans W3" panose="020B0300000000000000" pitchFamily="34" charset="-128"/>
+              </a:rPr>
+              <a:t>UPPAAL</a:t>
+            </a:r>
+            <a:r>
+              <a:rPr lang="ja-JP" altLang="en-US">
+                <a:latin typeface="Hiragino Sans W3" panose="020B0300000000000000" pitchFamily="34" charset="-128"/>
+                <a:ea typeface="Hiragino Sans W3" panose="020B0300000000000000" pitchFamily="34" charset="-128"/>
+              </a:rPr>
+              <a:t>で検証した．</a:t>
+            </a:r>
+            <a:endParaRPr lang="en-US" altLang="ja-JP" dirty="0">
+              <a:latin typeface="Hiragino Sans W3" panose="020B0300000000000000" pitchFamily="34" charset="-128"/>
+              <a:ea typeface="Hiragino Sans W3" panose="020B0300000000000000" pitchFamily="34" charset="-128"/>
+            </a:endParaRPr>
+          </a:p>
+          <a:p>
+            <a:r>
+              <a:rPr kumimoji="1" lang="ja-JP" altLang="en-US">
+                <a:latin typeface="Hiragino Sans W3" panose="020B0300000000000000" pitchFamily="34" charset="-128"/>
+                <a:ea typeface="Hiragino Sans W3" panose="020B0300000000000000" pitchFamily="34" charset="-128"/>
+              </a:rPr>
+              <a:t>従来研究では同方向においては先方車が通過終了まで後続車は通過できないのに対して，本研究では追従を含む検証が可能になり．より効率的なアルゴリズムが安全であることを示した．</a:t>
+            </a:r>
+          </a:p>
+          <a:p>
+            <a:endParaRPr kumimoji="1" lang="ja-JP" altLang="en-US" b="1"/>
           </a:p>
         </p:txBody>
       </p:sp>
@@ -850,7 +935,7 @@
           <a:p>
             <a:fld id="{359F4C49-761D-CD4D-B697-D7C8C818216D}" type="datetimeFigureOut">
               <a:rPr kumimoji="1" lang="ja-JP" altLang="en-US" smtClean="0"/>
-              <a:t>2019/11/7</a:t>
+              <a:t>2019/11/12</a:t>
             </a:fld>
             <a:endParaRPr kumimoji="1" lang="ja-JP" altLang="en-US"/>
           </a:p>
@@ -1028,7 +1113,7 @@
           <a:p>
             <a:fld id="{359F4C49-761D-CD4D-B697-D7C8C818216D}" type="datetimeFigureOut">
               <a:rPr kumimoji="1" lang="ja-JP" altLang="en-US" smtClean="0"/>
-              <a:t>2019/11/7</a:t>
+              <a:t>2019/11/12</a:t>
             </a:fld>
             <a:endParaRPr kumimoji="1" lang="ja-JP" altLang="en-US"/>
           </a:p>
@@ -1216,7 +1301,7 @@
           <a:p>
             <a:fld id="{359F4C49-761D-CD4D-B697-D7C8C818216D}" type="datetimeFigureOut">
               <a:rPr kumimoji="1" lang="ja-JP" altLang="en-US" smtClean="0"/>
-              <a:t>2019/11/7</a:t>
+              <a:t>2019/11/12</a:t>
             </a:fld>
             <a:endParaRPr kumimoji="1" lang="ja-JP" altLang="en-US"/>
           </a:p>
@@ -1394,7 +1479,7 @@
           <a:p>
             <a:fld id="{359F4C49-761D-CD4D-B697-D7C8C818216D}" type="datetimeFigureOut">
               <a:rPr kumimoji="1" lang="ja-JP" altLang="en-US" smtClean="0"/>
-              <a:t>2019/11/7</a:t>
+              <a:t>2019/11/12</a:t>
             </a:fld>
             <a:endParaRPr kumimoji="1" lang="ja-JP" altLang="en-US"/>
           </a:p>
@@ -1675,7 +1760,7 @@
           <a:p>
             <a:fld id="{359F4C49-761D-CD4D-B697-D7C8C818216D}" type="datetimeFigureOut">
               <a:rPr kumimoji="1" lang="ja-JP" altLang="en-US" smtClean="0"/>
-              <a:t>2019/11/7</a:t>
+              <a:t>2019/11/12</a:t>
             </a:fld>
             <a:endParaRPr kumimoji="1" lang="ja-JP" altLang="en-US"/>
           </a:p>
@@ -1923,7 +2008,7 @@
           <a:p>
             <a:fld id="{359F4C49-761D-CD4D-B697-D7C8C818216D}" type="datetimeFigureOut">
               <a:rPr kumimoji="1" lang="ja-JP" altLang="en-US" smtClean="0"/>
-              <a:t>2019/11/7</a:t>
+              <a:t>2019/11/12</a:t>
             </a:fld>
             <a:endParaRPr kumimoji="1" lang="ja-JP" altLang="en-US"/>
           </a:p>
@@ -2380,7 +2465,7 @@
           <a:p>
             <a:fld id="{359F4C49-761D-CD4D-B697-D7C8C818216D}" type="datetimeFigureOut">
               <a:rPr kumimoji="1" lang="ja-JP" altLang="en-US" smtClean="0"/>
-              <a:t>2019/11/7</a:t>
+              <a:t>2019/11/12</a:t>
             </a:fld>
             <a:endParaRPr kumimoji="1" lang="ja-JP" altLang="en-US"/>
           </a:p>
@@ -2498,7 +2583,7 @@
           <a:p>
             <a:fld id="{359F4C49-761D-CD4D-B697-D7C8C818216D}" type="datetimeFigureOut">
               <a:rPr kumimoji="1" lang="ja-JP" altLang="en-US" smtClean="0"/>
-              <a:t>2019/11/7</a:t>
+              <a:t>2019/11/12</a:t>
             </a:fld>
             <a:endParaRPr kumimoji="1" lang="ja-JP" altLang="en-US"/>
           </a:p>
@@ -2593,7 +2678,7 @@
           <a:p>
             <a:fld id="{359F4C49-761D-CD4D-B697-D7C8C818216D}" type="datetimeFigureOut">
               <a:rPr kumimoji="1" lang="ja-JP" altLang="en-US" smtClean="0"/>
-              <a:t>2019/11/7</a:t>
+              <a:t>2019/11/12</a:t>
             </a:fld>
             <a:endParaRPr kumimoji="1" lang="ja-JP" altLang="en-US"/>
           </a:p>
@@ -2915,7 +3000,7 @@
           <a:p>
             <a:fld id="{359F4C49-761D-CD4D-B697-D7C8C818216D}" type="datetimeFigureOut">
               <a:rPr kumimoji="1" lang="ja-JP" altLang="en-US" smtClean="0"/>
-              <a:t>2019/11/7</a:t>
+              <a:t>2019/11/12</a:t>
             </a:fld>
             <a:endParaRPr kumimoji="1" lang="ja-JP" altLang="en-US"/>
           </a:p>
@@ -3209,7 +3294,7 @@
           <a:p>
             <a:fld id="{359F4C49-761D-CD4D-B697-D7C8C818216D}" type="datetimeFigureOut">
               <a:rPr kumimoji="1" lang="ja-JP" altLang="en-US" smtClean="0"/>
-              <a:t>2019/11/7</a:t>
+              <a:t>2019/11/12</a:t>
             </a:fld>
             <a:endParaRPr kumimoji="1" lang="ja-JP" altLang="en-US"/>
           </a:p>
@@ -3430,7 +3515,7 @@
           <a:p>
             <a:fld id="{359F4C49-761D-CD4D-B697-D7C8C818216D}" type="datetimeFigureOut">
               <a:rPr kumimoji="1" lang="ja-JP" altLang="en-US" smtClean="0"/>
-              <a:t>2019/11/7</a:t>
+              <a:t>2019/11/12</a:t>
             </a:fld>
             <a:endParaRPr kumimoji="1" lang="ja-JP" altLang="en-US"/>
           </a:p>

--- a/ssi19shortP.pptx
+++ b/ssi19shortP.pptx
@@ -208,7 +208,7 @@
           <a:p>
             <a:fld id="{E2030BF8-1D35-9448-A9BC-1EFF7F5FE641}" type="datetimeFigureOut">
               <a:rPr kumimoji="1" lang="ja-JP" altLang="en-US" smtClean="0"/>
-              <a:t>2019/11/12</a:t>
+              <a:t>2019/11/13</a:t>
             </a:fld>
             <a:endParaRPr kumimoji="1" lang="ja-JP" altLang="en-US"/>
           </a:p>
@@ -536,6 +536,73 @@
                 <a:ea typeface="+mn-ea"/>
                 <a:cs typeface="+mn-cs"/>
               </a:rPr>
+              <a:t>自動運転車が都市空間で使用される時，個々に最短経路を選択すると，デッドロックや渋滞が生じる可能性がある．したがって，自動運転車群制御アルゴリズムが必要となる．本研究の目的は</a:t>
+            </a:r>
+            <a:r>
+              <a:rPr lang="ja-JP" altLang="en-US">
+                <a:latin typeface="Hiragino Sans W3" panose="020B0300000000000000" pitchFamily="34" charset="-128"/>
+                <a:ea typeface="Hiragino Sans W3" panose="020B0300000000000000" pitchFamily="34" charset="-128"/>
+              </a:rPr>
+              <a:t>交差点通過の制御アルゴリズムを</a:t>
+            </a:r>
+            <a:r>
+              <a:rPr kumimoji="1" lang="ja-JP" altLang="en-US" sz="1200" b="0" i="0" kern="1200">
+                <a:solidFill>
+                  <a:schemeClr val="tx1"/>
+                </a:solidFill>
+                <a:effectLst/>
+                <a:latin typeface="+mn-lt"/>
+                <a:ea typeface="+mn-ea"/>
+                <a:cs typeface="+mn-cs"/>
+              </a:rPr>
+              <a:t>時間オートマトンによるモデル化をし，シミュレーションやモデル検査による形式的検証を行う．</a:t>
+            </a:r>
+            <a:r>
+              <a:rPr kumimoji="1" lang="ja-JP" altLang="en-US">
+                <a:latin typeface="Hiragino Sans W3" panose="020B0300000000000000" pitchFamily="34" charset="-128"/>
+                <a:ea typeface="Hiragino Sans W3" panose="020B0300000000000000" pitchFamily="34" charset="-128"/>
+              </a:rPr>
+              <a:t>本研究では追従を含む検証が可能であり，より効率的なアルゴリズムが安全であることを示した．（以上です）</a:t>
+            </a:r>
+            <a:endParaRPr kumimoji="1" lang="en-US" altLang="ja-JP" dirty="0">
+              <a:latin typeface="Hiragino Sans W3" panose="020B0300000000000000" pitchFamily="34" charset="-128"/>
+              <a:ea typeface="Hiragino Sans W3" panose="020B0300000000000000" pitchFamily="34" charset="-128"/>
+            </a:endParaRPr>
+          </a:p>
+          <a:p>
+            <a:endParaRPr kumimoji="1" lang="ja-JP" altLang="en-US">
+              <a:latin typeface="Hiragino Sans W3" panose="020B0300000000000000" pitchFamily="34" charset="-128"/>
+              <a:ea typeface="Hiragino Sans W3" panose="020B0300000000000000" pitchFamily="34" charset="-128"/>
+            </a:endParaRPr>
+          </a:p>
+          <a:p>
+            <a:pPr marL="0" marR="0" lvl="0" indent="0" algn="l" defTabSz="914400" rtl="0" eaLnBrk="1" fontAlgn="auto" latinLnBrk="0" hangingPunct="1">
+              <a:lnSpc>
+                <a:spcPct val="100000"/>
+              </a:lnSpc>
+              <a:spcBef>
+                <a:spcPts val="0"/>
+              </a:spcBef>
+              <a:spcAft>
+                <a:spcPts val="0"/>
+              </a:spcAft>
+              <a:buClrTx/>
+              <a:buSzTx/>
+              <a:buFontTx/>
+              <a:buNone/>
+              <a:tabLst/>
+              <a:defRPr/>
+            </a:pPr>
+            <a:r>
+              <a:rPr kumimoji="1" lang="ja-JP" altLang="en-US" sz="1200" b="0" i="0" kern="1200">
+                <a:solidFill>
+                  <a:schemeClr val="tx1"/>
+                </a:solidFill>
+                <a:effectLst/>
+                <a:latin typeface="+mn-lt"/>
+                <a:ea typeface="+mn-ea"/>
+                <a:cs typeface="+mn-cs"/>
+              </a:rPr>
               <a:t>背景：自動運転車が個々に最短経路を選択すると，デッドロックや渋滞が生じる可能性がある（</a:t>
             </a:r>
             <a:r>
@@ -688,80 +755,6 @@
               <a:ea typeface="+mn-ea"/>
               <a:cs typeface="+mn-cs"/>
             </a:endParaRPr>
-          </a:p>
-          <a:p>
-            <a:endParaRPr kumimoji="1" lang="en-US" altLang="ja-JP" sz="1200" b="0" i="0" kern="1200" dirty="0">
-              <a:solidFill>
-                <a:schemeClr val="tx1"/>
-              </a:solidFill>
-              <a:effectLst/>
-              <a:latin typeface="+mn-lt"/>
-              <a:ea typeface="+mn-ea"/>
-              <a:cs typeface="+mn-cs"/>
-            </a:endParaRPr>
-          </a:p>
-          <a:p>
-            <a:r>
-              <a:rPr lang="ja-JP" altLang="en-US">
-                <a:latin typeface="Hiragino Sans W3" panose="020B0300000000000000" pitchFamily="34" charset="-128"/>
-                <a:ea typeface="Hiragino Sans W3" panose="020B0300000000000000" pitchFamily="34" charset="-128"/>
-              </a:rPr>
-              <a:t>本研究では時間制約の扱えるモデル検査ツール</a:t>
-            </a:r>
-            <a:r>
-              <a:rPr kumimoji="1" lang="en-US" altLang="ja-JP" dirty="0">
-                <a:latin typeface="Hiragino Sans W3" panose="020B0300000000000000" pitchFamily="34" charset="-128"/>
-                <a:ea typeface="Hiragino Sans W3" panose="020B0300000000000000" pitchFamily="34" charset="-128"/>
-              </a:rPr>
-              <a:t>UPPAAL</a:t>
-            </a:r>
-            <a:r>
-              <a:rPr kumimoji="1" lang="ja-JP" altLang="en-US">
-                <a:latin typeface="Hiragino Sans W3" panose="020B0300000000000000" pitchFamily="34" charset="-128"/>
-                <a:ea typeface="Hiragino Sans W3" panose="020B0300000000000000" pitchFamily="34" charset="-128"/>
-              </a:rPr>
-              <a:t>を採用した．</a:t>
-            </a:r>
-            <a:endParaRPr kumimoji="1" lang="en-US" altLang="ja-JP" dirty="0">
-              <a:latin typeface="Hiragino Sans W3" panose="020B0300000000000000" pitchFamily="34" charset="-128"/>
-              <a:ea typeface="Hiragino Sans W3" panose="020B0300000000000000" pitchFamily="34" charset="-128"/>
-            </a:endParaRPr>
-          </a:p>
-          <a:p>
-            <a:r>
-              <a:rPr lang="ja-JP" altLang="en-US">
-                <a:latin typeface="Hiragino Sans W3" panose="020B0300000000000000" pitchFamily="34" charset="-128"/>
-                <a:ea typeface="Hiragino Sans W3" panose="020B0300000000000000" pitchFamily="34" charset="-128"/>
-              </a:rPr>
-              <a:t>交差点通過の制御アルゴリズムを時間オートマトンとして記述し，</a:t>
-            </a:r>
-            <a:r>
-              <a:rPr lang="en-US" altLang="ja-JP" dirty="0">
-                <a:latin typeface="Hiragino Sans W3" panose="020B0300000000000000" pitchFamily="34" charset="-128"/>
-                <a:ea typeface="Hiragino Sans W3" panose="020B0300000000000000" pitchFamily="34" charset="-128"/>
-              </a:rPr>
-              <a:t>UPPAAL</a:t>
-            </a:r>
-            <a:r>
-              <a:rPr lang="ja-JP" altLang="en-US">
-                <a:latin typeface="Hiragino Sans W3" panose="020B0300000000000000" pitchFamily="34" charset="-128"/>
-                <a:ea typeface="Hiragino Sans W3" panose="020B0300000000000000" pitchFamily="34" charset="-128"/>
-              </a:rPr>
-              <a:t>で検証した．</a:t>
-            </a:r>
-            <a:endParaRPr lang="en-US" altLang="ja-JP" dirty="0">
-              <a:latin typeface="Hiragino Sans W3" panose="020B0300000000000000" pitchFamily="34" charset="-128"/>
-              <a:ea typeface="Hiragino Sans W3" panose="020B0300000000000000" pitchFamily="34" charset="-128"/>
-            </a:endParaRPr>
-          </a:p>
-          <a:p>
-            <a:r>
-              <a:rPr kumimoji="1" lang="ja-JP" altLang="en-US">
-                <a:latin typeface="Hiragino Sans W3" panose="020B0300000000000000" pitchFamily="34" charset="-128"/>
-                <a:ea typeface="Hiragino Sans W3" panose="020B0300000000000000" pitchFamily="34" charset="-128"/>
-              </a:rPr>
-              <a:t>従来研究では同方向においては先方車が通過終了まで後続車は通過できないのに対して，本研究では追従を含む検証が可能になり．より効率的なアルゴリズムが安全であることを示した．</a:t>
-            </a:r>
           </a:p>
           <a:p>
             <a:endParaRPr kumimoji="1" lang="ja-JP" altLang="en-US" b="1"/>
@@ -935,7 +928,7 @@
           <a:p>
             <a:fld id="{359F4C49-761D-CD4D-B697-D7C8C818216D}" type="datetimeFigureOut">
               <a:rPr kumimoji="1" lang="ja-JP" altLang="en-US" smtClean="0"/>
-              <a:t>2019/11/12</a:t>
+              <a:t>2019/11/13</a:t>
             </a:fld>
             <a:endParaRPr kumimoji="1" lang="ja-JP" altLang="en-US"/>
           </a:p>
@@ -1113,7 +1106,7 @@
           <a:p>
             <a:fld id="{359F4C49-761D-CD4D-B697-D7C8C818216D}" type="datetimeFigureOut">
               <a:rPr kumimoji="1" lang="ja-JP" altLang="en-US" smtClean="0"/>
-              <a:t>2019/11/12</a:t>
+              <a:t>2019/11/13</a:t>
             </a:fld>
             <a:endParaRPr kumimoji="1" lang="ja-JP" altLang="en-US"/>
           </a:p>
@@ -1301,7 +1294,7 @@
           <a:p>
             <a:fld id="{359F4C49-761D-CD4D-B697-D7C8C818216D}" type="datetimeFigureOut">
               <a:rPr kumimoji="1" lang="ja-JP" altLang="en-US" smtClean="0"/>
-              <a:t>2019/11/12</a:t>
+              <a:t>2019/11/13</a:t>
             </a:fld>
             <a:endParaRPr kumimoji="1" lang="ja-JP" altLang="en-US"/>
           </a:p>
@@ -1479,7 +1472,7 @@
           <a:p>
             <a:fld id="{359F4C49-761D-CD4D-B697-D7C8C818216D}" type="datetimeFigureOut">
               <a:rPr kumimoji="1" lang="ja-JP" altLang="en-US" smtClean="0"/>
-              <a:t>2019/11/12</a:t>
+              <a:t>2019/11/13</a:t>
             </a:fld>
             <a:endParaRPr kumimoji="1" lang="ja-JP" altLang="en-US"/>
           </a:p>
@@ -1760,7 +1753,7 @@
           <a:p>
             <a:fld id="{359F4C49-761D-CD4D-B697-D7C8C818216D}" type="datetimeFigureOut">
               <a:rPr kumimoji="1" lang="ja-JP" altLang="en-US" smtClean="0"/>
-              <a:t>2019/11/12</a:t>
+              <a:t>2019/11/13</a:t>
             </a:fld>
             <a:endParaRPr kumimoji="1" lang="ja-JP" altLang="en-US"/>
           </a:p>
@@ -2008,7 +2001,7 @@
           <a:p>
             <a:fld id="{359F4C49-761D-CD4D-B697-D7C8C818216D}" type="datetimeFigureOut">
               <a:rPr kumimoji="1" lang="ja-JP" altLang="en-US" smtClean="0"/>
-              <a:t>2019/11/12</a:t>
+              <a:t>2019/11/13</a:t>
             </a:fld>
             <a:endParaRPr kumimoji="1" lang="ja-JP" altLang="en-US"/>
           </a:p>
@@ -2465,7 +2458,7 @@
           <a:p>
             <a:fld id="{359F4C49-761D-CD4D-B697-D7C8C818216D}" type="datetimeFigureOut">
               <a:rPr kumimoji="1" lang="ja-JP" altLang="en-US" smtClean="0"/>
-              <a:t>2019/11/12</a:t>
+              <a:t>2019/11/13</a:t>
             </a:fld>
             <a:endParaRPr kumimoji="1" lang="ja-JP" altLang="en-US"/>
           </a:p>
@@ -2583,7 +2576,7 @@
           <a:p>
             <a:fld id="{359F4C49-761D-CD4D-B697-D7C8C818216D}" type="datetimeFigureOut">
               <a:rPr kumimoji="1" lang="ja-JP" altLang="en-US" smtClean="0"/>
-              <a:t>2019/11/12</a:t>
+              <a:t>2019/11/13</a:t>
             </a:fld>
             <a:endParaRPr kumimoji="1" lang="ja-JP" altLang="en-US"/>
           </a:p>
@@ -2678,7 +2671,7 @@
           <a:p>
             <a:fld id="{359F4C49-761D-CD4D-B697-D7C8C818216D}" type="datetimeFigureOut">
               <a:rPr kumimoji="1" lang="ja-JP" altLang="en-US" smtClean="0"/>
-              <a:t>2019/11/12</a:t>
+              <a:t>2019/11/13</a:t>
             </a:fld>
             <a:endParaRPr kumimoji="1" lang="ja-JP" altLang="en-US"/>
           </a:p>
@@ -3000,7 +2993,7 @@
           <a:p>
             <a:fld id="{359F4C49-761D-CD4D-B697-D7C8C818216D}" type="datetimeFigureOut">
               <a:rPr kumimoji="1" lang="ja-JP" altLang="en-US" smtClean="0"/>
-              <a:t>2019/11/12</a:t>
+              <a:t>2019/11/13</a:t>
             </a:fld>
             <a:endParaRPr kumimoji="1" lang="ja-JP" altLang="en-US"/>
           </a:p>
@@ -3294,7 +3287,7 @@
           <a:p>
             <a:fld id="{359F4C49-761D-CD4D-B697-D7C8C818216D}" type="datetimeFigureOut">
               <a:rPr kumimoji="1" lang="ja-JP" altLang="en-US" smtClean="0"/>
-              <a:t>2019/11/12</a:t>
+              <a:t>2019/11/13</a:t>
             </a:fld>
             <a:endParaRPr kumimoji="1" lang="ja-JP" altLang="en-US"/>
           </a:p>
@@ -3515,7 +3508,7 @@
           <a:p>
             <a:fld id="{359F4C49-761D-CD4D-B697-D7C8C818216D}" type="datetimeFigureOut">
               <a:rPr kumimoji="1" lang="ja-JP" altLang="en-US" smtClean="0"/>
-              <a:t>2019/11/12</a:t>
+              <a:t>2019/11/13</a:t>
             </a:fld>
             <a:endParaRPr kumimoji="1" lang="ja-JP" altLang="en-US"/>
           </a:p>
@@ -3941,7 +3934,7 @@
         </p:blipFill>
         <p:spPr>
           <a:xfrm>
-            <a:off x="104173" y="3411299"/>
+            <a:off x="104173" y="3731341"/>
             <a:ext cx="2792501" cy="2671925"/>
           </a:xfrm>
           <a:prstGeom prst="rect">
@@ -3978,6 +3971,9 @@
           <a:lstStyle/>
           <a:p>
             <a:pPr marL="0" indent="0" algn="ctr">
+              <a:lnSpc>
+                <a:spcPts val="2840"/>
+              </a:lnSpc>
               <a:buNone/>
             </a:pPr>
             <a:r>
@@ -3985,7 +3981,7 @@
                 <a:latin typeface="Hiragino Sans W4" panose="020B0400000000000000" pitchFamily="34" charset="-128"/>
                 <a:ea typeface="Hiragino Sans W4" panose="020B0400000000000000" pitchFamily="34" charset="-128"/>
               </a:rPr>
-              <a:t>UPPAALL</a:t>
+              <a:t>UPPAAL</a:t>
             </a:r>
             <a:r>
               <a:rPr lang="ja-JP" altLang="en-US" sz="3200">
@@ -4001,6 +3997,9 @@
           </a:p>
           <a:p>
             <a:pPr marL="0" indent="0" algn="ctr">
+              <a:lnSpc>
+                <a:spcPts val="2840"/>
+              </a:lnSpc>
               <a:buNone/>
             </a:pPr>
             <a:r>
@@ -4039,7 +4038,7 @@
         </p:blipFill>
         <p:spPr>
           <a:xfrm>
-            <a:off x="3196678" y="3002393"/>
+            <a:off x="3196677" y="3078335"/>
             <a:ext cx="5725649" cy="774820"/>
           </a:xfrm>
           <a:prstGeom prst="rect">
@@ -4219,7 +4218,7 @@
         </p:nvSpPr>
         <p:spPr>
           <a:xfrm>
-            <a:off x="104173" y="1233761"/>
+            <a:off x="104173" y="1556450"/>
             <a:ext cx="8910519" cy="1477328"/>
           </a:xfrm>
           <a:prstGeom prst="rect">
@@ -4238,7 +4237,16 @@
                 <a:latin typeface="Hiragino Sans W3" panose="020B0300000000000000" pitchFamily="34" charset="-128"/>
                 <a:ea typeface="Hiragino Sans W3" panose="020B0300000000000000" pitchFamily="34" charset="-128"/>
               </a:rPr>
-              <a:t>目的：</a:t>
+              <a:t>目的：自動運転車群制御アルゴリズムをモデル化し，性質を形式的に検証する</a:t>
+            </a:r>
+          </a:p>
+          <a:p>
+            <a:r>
+              <a:rPr lang="ja-JP" altLang="en-US">
+                <a:latin typeface="Hiragino Sans W3" panose="020B0300000000000000" pitchFamily="34" charset="-128"/>
+                <a:ea typeface="Hiragino Sans W3" panose="020B0300000000000000" pitchFamily="34" charset="-128"/>
+              </a:rPr>
+              <a:t>手法：</a:t>
             </a:r>
             <a:r>
               <a:rPr lang="en" altLang="ja-JP" dirty="0">
@@ -4252,44 +4260,118 @@
                 <a:latin typeface="Hiragino Sans W3" panose="020B0300000000000000" pitchFamily="34" charset="-128"/>
                 <a:ea typeface="Hiragino Sans W3" panose="020B0300000000000000" pitchFamily="34" charset="-128"/>
               </a:rPr>
-              <a:t>で，アルゴリズムをモデル化し，性質を検証する</a:t>
-            </a:r>
-          </a:p>
-          <a:p>
+              <a:t>では，時間オートマトンによるモデル化，シミュレーション実行，</a:t>
+            </a:r>
+            <a:r>
+              <a:rPr lang="en-US" altLang="ja-JP" dirty="0">
+                <a:latin typeface="Hiragino Sans W3" panose="020B0300000000000000" pitchFamily="34" charset="-128"/>
+                <a:ea typeface="Hiragino Sans W3" panose="020B0300000000000000" pitchFamily="34" charset="-128"/>
+              </a:rPr>
+              <a:t>	</a:t>
+            </a:r>
             <a:r>
               <a:rPr lang="ja-JP" altLang="en-US">
                 <a:latin typeface="Hiragino Sans W3" panose="020B0300000000000000" pitchFamily="34" charset="-128"/>
                 <a:ea typeface="Hiragino Sans W3" panose="020B0300000000000000" pitchFamily="34" charset="-128"/>
               </a:rPr>
-              <a:t>手法：</a:t>
-            </a:r>
-            <a:r>
-              <a:rPr lang="en" altLang="ja-JP" dirty="0">
-                <a:latin typeface="Hiragino Sans W3" panose="020B0300000000000000" pitchFamily="34" charset="-128"/>
-                <a:ea typeface="Hiragino Sans W3" panose="020B0300000000000000" pitchFamily="34" charset="-128"/>
-              </a:rPr>
-              <a:t>UPPAAL</a:t>
-            </a:r>
+              <a:t>モデル検査による形式的検証が可能</a:t>
+            </a:r>
+          </a:p>
+          <a:p>
             <a:r>
               <a:rPr lang="ja-JP" altLang="en-US">
                 <a:latin typeface="Hiragino Sans W3" panose="020B0300000000000000" pitchFamily="34" charset="-128"/>
                 <a:ea typeface="Hiragino Sans W3" panose="020B0300000000000000" pitchFamily="34" charset="-128"/>
               </a:rPr>
-              <a:t>では，時間オートマトンによるモデル化，シミュレーション実行，モデル検査による形式的検証が可能</a:t>
-            </a:r>
-          </a:p>
-          <a:p>
+              <a:t>結果：特定の方向の車両が前方車に追従して交差点を通過可能なアルゴリズムを</a:t>
+            </a:r>
+            <a:endParaRPr lang="en-US" altLang="ja-JP" dirty="0">
+              <a:latin typeface="Hiragino Sans W3" panose="020B0300000000000000" pitchFamily="34" charset="-128"/>
+              <a:ea typeface="Hiragino Sans W3" panose="020B0300000000000000" pitchFamily="34" charset="-128"/>
+            </a:endParaRPr>
+          </a:p>
+          <a:p>
+            <a:r>
+              <a:rPr lang="en-US" altLang="ja-JP" dirty="0">
+                <a:latin typeface="Hiragino Sans W3" panose="020B0300000000000000" pitchFamily="34" charset="-128"/>
+                <a:ea typeface="Hiragino Sans W3" panose="020B0300000000000000" pitchFamily="34" charset="-128"/>
+              </a:rPr>
+              <a:t>	</a:t>
+            </a:r>
             <a:r>
               <a:rPr lang="ja-JP" altLang="en-US">
                 <a:latin typeface="Hiragino Sans W3" panose="020B0300000000000000" pitchFamily="34" charset="-128"/>
                 <a:ea typeface="Hiragino Sans W3" panose="020B0300000000000000" pitchFamily="34" charset="-128"/>
               </a:rPr>
-              <a:t>結果：特定の方向の車両が前方車に追従して交差点を通過可能なアルゴリズムをモデル化した．安全性（衝突回避）と効率性（従来よりも短い時間での通過）を示した．</a:t>
+              <a:t>モデル化した．安全性と効率性を示す</a:t>
             </a:r>
             <a:endParaRPr kumimoji="1" lang="ja-JP" altLang="en-US">
               <a:latin typeface="Hiragino Sans W3" panose="020B0300000000000000" pitchFamily="34" charset="-128"/>
               <a:ea typeface="Hiragino Sans W3" panose="020B0300000000000000" pitchFamily="34" charset="-128"/>
             </a:endParaRPr>
+          </a:p>
+        </p:txBody>
+      </p:sp>
+      <p:sp>
+        <p:nvSpPr>
+          <p:cNvPr id="6" name="テキスト ボックス 5">
+            <a:extLst>
+              <a:ext uri="{FF2B5EF4-FFF2-40B4-BE49-F238E27FC236}">
+                <a16:creationId xmlns:a16="http://schemas.microsoft.com/office/drawing/2014/main" id="{208805F7-2FDE-4345-8308-F7A2A186AFE8}"/>
+              </a:ext>
+            </a:extLst>
+          </p:cNvPr>
+          <p:cNvSpPr txBox="1"/>
+          <p:nvPr/>
+        </p:nvSpPr>
+        <p:spPr>
+          <a:xfrm>
+            <a:off x="2076775" y="1184102"/>
+            <a:ext cx="7237708" cy="369332"/>
+          </a:xfrm>
+          <a:prstGeom prst="rect">
+            <a:avLst/>
+          </a:prstGeom>
+          <a:noFill/>
+        </p:spPr>
+        <p:txBody>
+          <a:bodyPr wrap="square" rtlCol="0">
+            <a:spAutoFit/>
+          </a:bodyPr>
+          <a:lstStyle/>
+          <a:p>
+            <a:r>
+              <a:rPr lang="ja-JP" altLang="en-US"/>
+              <a:t>佐原優衣　中村正樹　榊原一紀</a:t>
+            </a:r>
+            <a:r>
+              <a:rPr lang="en-US" altLang="ja-JP" dirty="0"/>
+              <a:t>(</a:t>
+            </a:r>
+            <a:r>
+              <a:rPr lang="ja-JP" altLang="en-US"/>
+              <a:t>富山県立大学</a:t>
+            </a:r>
+            <a:r>
+              <a:rPr lang="en-US" altLang="ja-JP" dirty="0"/>
+              <a:t>)</a:t>
+            </a:r>
+            <a:r>
+              <a:rPr lang="ja-JP" altLang="en-US"/>
+              <a:t>　玉置久</a:t>
+            </a:r>
+            <a:r>
+              <a:rPr lang="en-US" altLang="ja-JP" dirty="0"/>
+              <a:t>(</a:t>
+            </a:r>
+            <a:r>
+              <a:rPr lang="ja-JP" altLang="en-US"/>
+              <a:t>神戸大学</a:t>
+            </a:r>
+            <a:r>
+              <a:rPr lang="en-US" altLang="ja-JP" dirty="0"/>
+              <a:t>)</a:t>
+            </a:r>
           </a:p>
         </p:txBody>
       </p:sp>
